--- a/materials/slides/ch03-angular-component.pptx
+++ b/materials/slides/ch03-angular-component.pptx
@@ -5,20 +5,23 @@
     <p:sldMasterId id="2147483765" r:id="rId1"/>
   </p:sldMasterIdLst>
   <p:notesMasterIdLst>
-    <p:notesMasterId r:id="rId13"/>
+    <p:notesMasterId r:id="rId16"/>
   </p:notesMasterIdLst>
   <p:sldIdLst>
     <p:sldId id="773" r:id="rId2"/>
     <p:sldId id="941" r:id="rId3"/>
     <p:sldId id="946" r:id="rId4"/>
     <p:sldId id="942" r:id="rId5"/>
-    <p:sldId id="943" r:id="rId6"/>
-    <p:sldId id="947" r:id="rId7"/>
-    <p:sldId id="950" r:id="rId8"/>
-    <p:sldId id="945" r:id="rId9"/>
-    <p:sldId id="948" r:id="rId10"/>
-    <p:sldId id="949" r:id="rId11"/>
-    <p:sldId id="937" r:id="rId12"/>
+    <p:sldId id="954" r:id="rId6"/>
+    <p:sldId id="943" r:id="rId7"/>
+    <p:sldId id="947" r:id="rId8"/>
+    <p:sldId id="950" r:id="rId9"/>
+    <p:sldId id="945" r:id="rId10"/>
+    <p:sldId id="948" r:id="rId11"/>
+    <p:sldId id="951" r:id="rId12"/>
+    <p:sldId id="952" r:id="rId13"/>
+    <p:sldId id="953" r:id="rId14"/>
+    <p:sldId id="937" r:id="rId15"/>
   </p:sldIdLst>
   <p:sldSz cx="12192000" cy="6858000"/>
   <p:notesSz cx="6797675" cy="9928225"/>
@@ -149,7 +152,7 @@
   </p:defaultTextStyle>
   <p:extLst>
     <p:ext uri="{EFAFB233-063F-42B5-8137-9DF3F51BA10A}">
-      <p15:sldGuideLst xmlns:p15="http://schemas.microsoft.com/office/powerpoint/2012/main" xmlns="">
+      <p15:sldGuideLst xmlns="" xmlns:p15="http://schemas.microsoft.com/office/powerpoint/2012/main">
         <p15:guide id="1" orient="horz" pos="1584">
           <p15:clr>
             <a:srgbClr val="A4A3A4"/>
@@ -1104,245 +1107,7 @@
                 <a:ea typeface="宋体" panose="02010600030101010101" pitchFamily="2" charset="-122"/>
               </a:rPr>
               <a:pPr/>
-              <a:t>8</a:t>
-            </a:fld>
-            <a:endParaRPr lang="zh-CN" altLang="zh-CN">
-              <a:ea typeface="宋体" panose="02010600030101010101" pitchFamily="2" charset="-122"/>
-            </a:endParaRPr>
-          </a:p>
-        </p:txBody>
-      </p:sp>
-    </p:spTree>
-  </p:cSld>
-  <p:clrMapOvr>
-    <a:masterClrMapping/>
-  </p:clrMapOvr>
-</p:notes>
-</file>
-
-<file path=ppt/notesSlides/notesSlide3.xml><?xml version="1.0" encoding="utf-8"?>
-<p:notes xmlns:a="http://schemas.openxmlformats.org/drawingml/2006/main" xmlns:r="http://schemas.openxmlformats.org/officeDocument/2006/relationships" xmlns:p="http://schemas.openxmlformats.org/presentationml/2006/main">
-  <p:cSld>
-    <p:spTree>
-      <p:nvGrpSpPr>
-        <p:cNvPr id="1" name=""/>
-        <p:cNvGrpSpPr/>
-        <p:nvPr/>
-      </p:nvGrpSpPr>
-      <p:grpSpPr>
-        <a:xfrm>
-          <a:off x="0" y="0"/>
-          <a:ext cx="0" cy="0"/>
-          <a:chOff x="0" y="0"/>
-          <a:chExt cx="0" cy="0"/>
-        </a:xfrm>
-      </p:grpSpPr>
-      <p:sp>
-        <p:nvSpPr>
-          <p:cNvPr id="22530" name="幻灯片图像占位符 1"/>
-          <p:cNvSpPr>
-            <a:spLocks noGrp="1" noRot="1" noChangeAspect="1" noTextEdit="1"/>
-          </p:cNvSpPr>
-          <p:nvPr>
-            <p:ph type="sldImg"/>
-          </p:nvPr>
-        </p:nvSpPr>
-        <p:spPr/>
-      </p:sp>
-      <p:sp>
-        <p:nvSpPr>
-          <p:cNvPr id="22531" name="备注占位符 2"/>
-          <p:cNvSpPr>
-            <a:spLocks noGrp="1"/>
-          </p:cNvSpPr>
-          <p:nvPr>
-            <p:ph type="body" idx="1"/>
-          </p:nvPr>
-        </p:nvSpPr>
-        <p:spPr>
-          <a:noFill/>
-          <a:ln/>
-          <a:extLst>
-            <a:ext uri="{909E8E84-426E-40DD-AFC4-6F175D3DCCD1}">
-              <a14:hiddenFill xmlns:a14="http://schemas.microsoft.com/office/drawing/2010/main">
-                <a:solidFill>
-                  <a:srgbClr val="FFFFFF"/>
-                </a:solidFill>
-              </a14:hiddenFill>
-            </a:ext>
-            <a:ext uri="{91240B29-F687-4F45-9708-019B960494DF}">
-              <a14:hiddenLine xmlns:a14="http://schemas.microsoft.com/office/drawing/2010/main" w="9525">
-                <a:solidFill>
-                  <a:srgbClr val="000000"/>
-                </a:solidFill>
-                <a:miter lim="800000"/>
-                <a:headEnd/>
-                <a:tailEnd/>
-              </a14:hiddenLine>
-            </a:ext>
-          </a:extLst>
-        </p:spPr>
-        <p:txBody>
-          <a:bodyPr/>
-          <a:lstStyle/>
-          <a:p>
-            <a:r>
-              <a:rPr lang="en-US" altLang="zh-CN" dirty="0" smtClean="0"/>
-              <a:t>https://github.com/angular/angular-cli</a:t>
-            </a:r>
-            <a:endParaRPr lang="zh-CN" altLang="en-US" dirty="0" smtClean="0"/>
-          </a:p>
-        </p:txBody>
-      </p:sp>
-      <p:sp>
-        <p:nvSpPr>
-          <p:cNvPr id="22532" name="灯片编号占位符 3"/>
-          <p:cNvSpPr>
-            <a:spLocks noGrp="1"/>
-          </p:cNvSpPr>
-          <p:nvPr>
-            <p:ph type="sldNum" sz="quarter" idx="5"/>
-          </p:nvPr>
-        </p:nvSpPr>
-        <p:spPr>
-          <a:noFill/>
-          <a:ln/>
-          <a:extLst>
-            <a:ext uri="{909E8E84-426E-40DD-AFC4-6F175D3DCCD1}">
-              <a14:hiddenFill xmlns:a14="http://schemas.microsoft.com/office/drawing/2010/main">
-                <a:solidFill>
-                  <a:srgbClr val="FFFFFF"/>
-                </a:solidFill>
-              </a14:hiddenFill>
-            </a:ext>
-            <a:ext uri="{91240B29-F687-4F45-9708-019B960494DF}">
-              <a14:hiddenLine xmlns:a14="http://schemas.microsoft.com/office/drawing/2010/main" w="9525">
-                <a:solidFill>
-                  <a:srgbClr val="000000"/>
-                </a:solidFill>
-                <a:miter lim="800000"/>
-                <a:headEnd/>
-                <a:tailEnd/>
-              </a14:hiddenLine>
-            </a:ext>
-          </a:extLst>
-        </p:spPr>
-        <p:txBody>
-          <a:bodyPr/>
-          <a:lstStyle>
-            <a:lvl1pPr>
-              <a:defRPr sz="3200">
-                <a:solidFill>
-                  <a:schemeClr val="tx1"/>
-                </a:solidFill>
-                <a:latin typeface="Arial" panose="020B0604020202020204" pitchFamily="34" charset="0"/>
-                <a:ea typeface="微软雅黑" panose="020B0503020204020204" pitchFamily="34" charset="-122"/>
-              </a:defRPr>
-            </a:lvl1pPr>
-            <a:lvl2pPr marL="742950" indent="-285750">
-              <a:defRPr sz="3200">
-                <a:solidFill>
-                  <a:schemeClr val="tx1"/>
-                </a:solidFill>
-                <a:latin typeface="Arial" panose="020B0604020202020204" pitchFamily="34" charset="0"/>
-                <a:ea typeface="微软雅黑" panose="020B0503020204020204" pitchFamily="34" charset="-122"/>
-              </a:defRPr>
-            </a:lvl2pPr>
-            <a:lvl3pPr marL="1143000" indent="-228600">
-              <a:defRPr sz="3200">
-                <a:solidFill>
-                  <a:schemeClr val="tx1"/>
-                </a:solidFill>
-                <a:latin typeface="Arial" panose="020B0604020202020204" pitchFamily="34" charset="0"/>
-                <a:ea typeface="微软雅黑" panose="020B0503020204020204" pitchFamily="34" charset="-122"/>
-              </a:defRPr>
-            </a:lvl3pPr>
-            <a:lvl4pPr marL="1600200" indent="-228600">
-              <a:defRPr sz="3200">
-                <a:solidFill>
-                  <a:schemeClr val="tx1"/>
-                </a:solidFill>
-                <a:latin typeface="Arial" panose="020B0604020202020204" pitchFamily="34" charset="0"/>
-                <a:ea typeface="微软雅黑" panose="020B0503020204020204" pitchFamily="34" charset="-122"/>
-              </a:defRPr>
-            </a:lvl4pPr>
-            <a:lvl5pPr marL="2057400" indent="-228600">
-              <a:defRPr sz="3200">
-                <a:solidFill>
-                  <a:schemeClr val="tx1"/>
-                </a:solidFill>
-                <a:latin typeface="Arial" panose="020B0604020202020204" pitchFamily="34" charset="0"/>
-                <a:ea typeface="微软雅黑" panose="020B0503020204020204" pitchFamily="34" charset="-122"/>
-              </a:defRPr>
-            </a:lvl5pPr>
-            <a:lvl6pPr marL="2514600" indent="-228600" eaLnBrk="0" fontAlgn="base" hangingPunct="0">
-              <a:spcBef>
-                <a:spcPct val="0"/>
-              </a:spcBef>
-              <a:spcAft>
-                <a:spcPct val="0"/>
-              </a:spcAft>
-              <a:defRPr sz="3200">
-                <a:solidFill>
-                  <a:schemeClr val="tx1"/>
-                </a:solidFill>
-                <a:latin typeface="Arial" panose="020B0604020202020204" pitchFamily="34" charset="0"/>
-                <a:ea typeface="微软雅黑" panose="020B0503020204020204" pitchFamily="34" charset="-122"/>
-              </a:defRPr>
-            </a:lvl6pPr>
-            <a:lvl7pPr marL="2971800" indent="-228600" eaLnBrk="0" fontAlgn="base" hangingPunct="0">
-              <a:spcBef>
-                <a:spcPct val="0"/>
-              </a:spcBef>
-              <a:spcAft>
-                <a:spcPct val="0"/>
-              </a:spcAft>
-              <a:defRPr sz="3200">
-                <a:solidFill>
-                  <a:schemeClr val="tx1"/>
-                </a:solidFill>
-                <a:latin typeface="Arial" panose="020B0604020202020204" pitchFamily="34" charset="0"/>
-                <a:ea typeface="微软雅黑" panose="020B0503020204020204" pitchFamily="34" charset="-122"/>
-              </a:defRPr>
-            </a:lvl7pPr>
-            <a:lvl8pPr marL="3429000" indent="-228600" eaLnBrk="0" fontAlgn="base" hangingPunct="0">
-              <a:spcBef>
-                <a:spcPct val="0"/>
-              </a:spcBef>
-              <a:spcAft>
-                <a:spcPct val="0"/>
-              </a:spcAft>
-              <a:defRPr sz="3200">
-                <a:solidFill>
-                  <a:schemeClr val="tx1"/>
-                </a:solidFill>
-                <a:latin typeface="Arial" panose="020B0604020202020204" pitchFamily="34" charset="0"/>
-                <a:ea typeface="微软雅黑" panose="020B0503020204020204" pitchFamily="34" charset="-122"/>
-              </a:defRPr>
-            </a:lvl8pPr>
-            <a:lvl9pPr marL="3886200" indent="-228600" eaLnBrk="0" fontAlgn="base" hangingPunct="0">
-              <a:spcBef>
-                <a:spcPct val="0"/>
-              </a:spcBef>
-              <a:spcAft>
-                <a:spcPct val="0"/>
-              </a:spcAft>
-              <a:defRPr sz="3200">
-                <a:solidFill>
-                  <a:schemeClr val="tx1"/>
-                </a:solidFill>
-                <a:latin typeface="Arial" panose="020B0604020202020204" pitchFamily="34" charset="0"/>
-                <a:ea typeface="微软雅黑" panose="020B0503020204020204" pitchFamily="34" charset="-122"/>
-              </a:defRPr>
-            </a:lvl9pPr>
-          </a:lstStyle>
-          <a:p>
-            <a:fld id="{B94B757B-0235-4C13-B71B-044FB4BFFF15}" type="slidenum">
-              <a:rPr lang="zh-CN" altLang="zh-CN">
-                <a:ea typeface="宋体" panose="02010600030101010101" pitchFamily="2" charset="-122"/>
-              </a:rPr>
-              <a:pPr/>
-              <a:t>10</a:t>
+              <a:t>9</a:t>
             </a:fld>
             <a:endParaRPr lang="zh-CN" altLang="zh-CN">
               <a:ea typeface="宋体" panose="02010600030101010101" pitchFamily="2" charset="-122"/>
@@ -2731,16 +2496,12 @@
               <a:t>Angular</a:t>
             </a:r>
             <a:r>
-              <a:rPr lang="zh-CN" altLang="en-US" sz="3600" dirty="0" smtClean="0">
+              <a:rPr lang="zh-CN" altLang="en-US" sz="3600" dirty="0">
                 <a:latin typeface="+mn-ea"/>
                 <a:ea typeface="+mn-ea"/>
               </a:rPr>
-              <a:t>语法</a:t>
-            </a:r>
-            <a:endParaRPr lang="zh-CN" altLang="en-US" sz="3600" dirty="0">
-              <a:latin typeface="+mn-ea"/>
-              <a:ea typeface="+mn-ea"/>
-            </a:endParaRPr>
+              <a:t>组件</a:t>
+            </a:r>
           </a:p>
         </p:txBody>
       </p:sp>
@@ -2833,24 +2594,154 @@
       </p:grpSpPr>
       <p:sp>
         <p:nvSpPr>
-          <p:cNvPr id="21506" name="矩形 2"/>
+          <p:cNvPr id="30722" name="内容占位符 3"/>
           <p:cNvSpPr>
-            <a:spLocks noChangeArrowheads="1"/>
+            <a:spLocks noGrp="1"/>
           </p:cNvSpPr>
-          <p:nvPr/>
+          <p:nvPr>
+            <p:ph sz="quarter" idx="10"/>
+          </p:nvPr>
         </p:nvSpPr>
         <p:spPr bwMode="auto">
           <a:xfrm>
-            <a:off x="909624" y="258763"/>
-            <a:ext cx="3186523" cy="585787"/>
+            <a:off x="693526" y="1052513"/>
+            <a:ext cx="10157038" cy="4897642"/>
           </a:xfrm>
-          <a:prstGeom prst="rect">
-            <a:avLst/>
-          </a:prstGeom>
-          <a:noFill/>
-          <a:ln>
-            <a:noFill/>
-          </a:ln>
+          <a:solidFill>
+            <a:schemeClr val="bg1"/>
+          </a:solidFill>
+          <a:extLst/>
+        </p:spPr>
+        <p:txBody>
+          <a:bodyPr vert="horz" wrap="square" lIns="91440" tIns="45720" rIns="91440" bIns="45720" numCol="1" anchor="t" anchorCtr="0" compatLnSpc="1">
+            <a:prstTxWarp prst="textNoShape">
+              <a:avLst/>
+            </a:prstTxWarp>
+          </a:bodyPr>
+          <a:lstStyle/>
+          <a:p>
+            <a:pPr marL="360000"/>
+            <a:r>
+              <a:rPr lang="zh-CN" altLang="en-US" dirty="0" smtClean="0"/>
+              <a:t> 生命周期</a:t>
+            </a:r>
+            <a:endParaRPr lang="en-US" altLang="zh-CN" dirty="0" smtClean="0"/>
+          </a:p>
+          <a:p>
+            <a:pPr marL="591775" lvl="1"/>
+            <a:r>
+              <a:rPr lang="zh-CN" altLang="en-US" dirty="0" smtClean="0"/>
+              <a:t> </a:t>
+            </a:r>
+            <a:r>
+              <a:rPr lang="en-US" altLang="zh-CN" dirty="0"/>
+              <a:t>Angular</a:t>
+            </a:r>
+            <a:r>
+              <a:rPr lang="zh-CN" altLang="en-US" dirty="0"/>
+              <a:t>每个组件都存在一个生命周期，从创建，变更到销毁</a:t>
+            </a:r>
+            <a:endParaRPr lang="en-US" altLang="zh-CN" dirty="0" smtClean="0"/>
+          </a:p>
+          <a:p>
+            <a:pPr marL="360000"/>
+            <a:r>
+              <a:rPr lang="en-US" altLang="zh-CN" dirty="0"/>
+              <a:t> </a:t>
+            </a:r>
+            <a:r>
+              <a:rPr lang="zh-CN" altLang="en-US" dirty="0" smtClean="0"/>
+              <a:t>生命周期钩子</a:t>
+            </a:r>
+            <a:endParaRPr lang="en-US" altLang="zh-CN" dirty="0" smtClean="0"/>
+          </a:p>
+          <a:p>
+            <a:pPr marL="591775" lvl="1"/>
+            <a:r>
+              <a:rPr lang="en-US" altLang="zh-CN" dirty="0"/>
+              <a:t> Angular</a:t>
+            </a:r>
+            <a:r>
+              <a:rPr lang="zh-CN" altLang="en-US" dirty="0"/>
+              <a:t>提供组件生命周期钩子，把这些关键时刻暴露出来，赋予在这些关键结点和组件进行交互的</a:t>
+            </a:r>
+            <a:r>
+              <a:rPr lang="zh-CN" altLang="en-US" dirty="0" smtClean="0"/>
+              <a:t>能力</a:t>
+            </a:r>
+            <a:endParaRPr lang="en-US" altLang="zh-CN" dirty="0" smtClean="0"/>
+          </a:p>
+          <a:p>
+            <a:pPr marL="591775" lvl="1"/>
+            <a:endParaRPr lang="en-US" altLang="zh-CN" dirty="0" smtClean="0">
+              <a:solidFill>
+                <a:srgbClr val="FF0000"/>
+              </a:solidFill>
+            </a:endParaRPr>
+          </a:p>
+          <a:p>
+            <a:pPr marL="591775" lvl="1"/>
+            <a:endParaRPr lang="en-US" altLang="zh-CN" sz="2000" dirty="0"/>
+          </a:p>
+          <a:p>
+            <a:pPr marL="593362" lvl="2" indent="0">
+              <a:buNone/>
+            </a:pPr>
+            <a:endParaRPr lang="en-US" altLang="zh-CN" dirty="0" smtClean="0">
+              <a:solidFill>
+                <a:srgbClr val="FF0000"/>
+              </a:solidFill>
+            </a:endParaRPr>
+          </a:p>
+          <a:p>
+            <a:pPr marL="593362" lvl="2"/>
+            <a:endParaRPr lang="en-US" altLang="zh-CN" dirty="0" smtClean="0">
+              <a:solidFill>
+                <a:srgbClr val="FF0000"/>
+              </a:solidFill>
+            </a:endParaRPr>
+          </a:p>
+          <a:p>
+            <a:pPr marL="193312" indent="0">
+              <a:buNone/>
+            </a:pPr>
+            <a:r>
+              <a:rPr lang="en-US" altLang="zh-CN" sz="2400" dirty="0"/>
+              <a:t>	</a:t>
+            </a:r>
+            <a:endParaRPr lang="en-US" altLang="zh-CN" sz="2400" dirty="0" smtClean="0"/>
+          </a:p>
+          <a:p>
+            <a:pPr marL="360000" lvl="1" indent="0">
+              <a:buFont typeface="Arial" charset="0"/>
+              <a:buNone/>
+              <a:defRPr/>
+            </a:pPr>
+            <a:r>
+              <a:rPr lang="en-US" altLang="zh-CN" sz="2400" dirty="0" smtClean="0"/>
+              <a:t>		</a:t>
+            </a:r>
+            <a:endParaRPr lang="zh-CN" altLang="en-US" dirty="0" smtClean="0">
+              <a:ea typeface="宋体" panose="02010600030101010101" pitchFamily="2" charset="-122"/>
+            </a:endParaRPr>
+          </a:p>
+        </p:txBody>
+      </p:sp>
+      <p:sp>
+        <p:nvSpPr>
+          <p:cNvPr id="25603" name="内容占位符 4"/>
+          <p:cNvSpPr>
+            <a:spLocks noGrp="1"/>
+          </p:cNvSpPr>
+          <p:nvPr>
+            <p:ph sz="quarter" idx="11"/>
+          </p:nvPr>
+        </p:nvSpPr>
+        <p:spPr bwMode="auto">
+          <a:xfrm>
+            <a:off x="909638" y="236538"/>
+            <a:ext cx="7575550" cy="490537"/>
+          </a:xfrm>
           <a:extLst>
             <a:ext uri="{909E8E84-426E-40DD-AFC4-6F175D3DCCD1}">
               <a14:hiddenFill xmlns:a14="http://schemas.microsoft.com/office/drawing/2010/main">
@@ -2872,372 +2763,36 @@
           </a:extLst>
         </p:spPr>
         <p:txBody>
-          <a:bodyPr wrap="square">
-            <a:spAutoFit/>
+          <a:bodyPr vert="horz" wrap="square" lIns="91440" tIns="45720" rIns="91440" bIns="45720" numCol="1" anchor="t" anchorCtr="0" compatLnSpc="1">
+            <a:prstTxWarp prst="textNoShape">
+              <a:avLst/>
+            </a:prstTxWarp>
           </a:bodyPr>
-          <a:lstStyle>
-            <a:lvl1pPr>
-              <a:defRPr sz="3200">
-                <a:solidFill>
-                  <a:schemeClr val="tx1"/>
-                </a:solidFill>
-                <a:latin typeface="Arial" panose="020B0604020202020204" pitchFamily="34" charset="0"/>
-                <a:ea typeface="微软雅黑" panose="020B0503020204020204" pitchFamily="34" charset="-122"/>
-              </a:defRPr>
-            </a:lvl1pPr>
-            <a:lvl2pPr marL="742950" indent="-285750">
-              <a:defRPr sz="3200">
-                <a:solidFill>
-                  <a:schemeClr val="tx1"/>
-                </a:solidFill>
-                <a:latin typeface="Arial" panose="020B0604020202020204" pitchFamily="34" charset="0"/>
-                <a:ea typeface="微软雅黑" panose="020B0503020204020204" pitchFamily="34" charset="-122"/>
-              </a:defRPr>
-            </a:lvl2pPr>
-            <a:lvl3pPr marL="1143000" indent="-228600">
-              <a:defRPr sz="3200">
-                <a:solidFill>
-                  <a:schemeClr val="tx1"/>
-                </a:solidFill>
-                <a:latin typeface="Arial" panose="020B0604020202020204" pitchFamily="34" charset="0"/>
-                <a:ea typeface="微软雅黑" panose="020B0503020204020204" pitchFamily="34" charset="-122"/>
-              </a:defRPr>
-            </a:lvl3pPr>
-            <a:lvl4pPr marL="1600200" indent="-228600">
-              <a:defRPr sz="3200">
-                <a:solidFill>
-                  <a:schemeClr val="tx1"/>
-                </a:solidFill>
-                <a:latin typeface="Arial" panose="020B0604020202020204" pitchFamily="34" charset="0"/>
-                <a:ea typeface="微软雅黑" panose="020B0503020204020204" pitchFamily="34" charset="-122"/>
-              </a:defRPr>
-            </a:lvl4pPr>
-            <a:lvl5pPr marL="2057400" indent="-228600">
-              <a:defRPr sz="3200">
-                <a:solidFill>
-                  <a:schemeClr val="tx1"/>
-                </a:solidFill>
-                <a:latin typeface="Arial" panose="020B0604020202020204" pitchFamily="34" charset="0"/>
-                <a:ea typeface="微软雅黑" panose="020B0503020204020204" pitchFamily="34" charset="-122"/>
-              </a:defRPr>
-            </a:lvl5pPr>
-            <a:lvl6pPr marL="2514600" indent="-228600" eaLnBrk="0" fontAlgn="base" hangingPunct="0">
-              <a:spcBef>
-                <a:spcPct val="0"/>
-              </a:spcBef>
-              <a:spcAft>
-                <a:spcPct val="0"/>
-              </a:spcAft>
-              <a:defRPr sz="3200">
-                <a:solidFill>
-                  <a:schemeClr val="tx1"/>
-                </a:solidFill>
-                <a:latin typeface="Arial" panose="020B0604020202020204" pitchFamily="34" charset="0"/>
-                <a:ea typeface="微软雅黑" panose="020B0503020204020204" pitchFamily="34" charset="-122"/>
-              </a:defRPr>
-            </a:lvl6pPr>
-            <a:lvl7pPr marL="2971800" indent="-228600" eaLnBrk="0" fontAlgn="base" hangingPunct="0">
-              <a:spcBef>
-                <a:spcPct val="0"/>
-              </a:spcBef>
-              <a:spcAft>
-                <a:spcPct val="0"/>
-              </a:spcAft>
-              <a:defRPr sz="3200">
-                <a:solidFill>
-                  <a:schemeClr val="tx1"/>
-                </a:solidFill>
-                <a:latin typeface="Arial" panose="020B0604020202020204" pitchFamily="34" charset="0"/>
-                <a:ea typeface="微软雅黑" panose="020B0503020204020204" pitchFamily="34" charset="-122"/>
-              </a:defRPr>
-            </a:lvl7pPr>
-            <a:lvl8pPr marL="3429000" indent="-228600" eaLnBrk="0" fontAlgn="base" hangingPunct="0">
-              <a:spcBef>
-                <a:spcPct val="0"/>
-              </a:spcBef>
-              <a:spcAft>
-                <a:spcPct val="0"/>
-              </a:spcAft>
-              <a:defRPr sz="3200">
-                <a:solidFill>
-                  <a:schemeClr val="tx1"/>
-                </a:solidFill>
-                <a:latin typeface="Arial" panose="020B0604020202020204" pitchFamily="34" charset="0"/>
-                <a:ea typeface="微软雅黑" panose="020B0503020204020204" pitchFamily="34" charset="-122"/>
-              </a:defRPr>
-            </a:lvl8pPr>
-            <a:lvl9pPr marL="3886200" indent="-228600" eaLnBrk="0" fontAlgn="base" hangingPunct="0">
-              <a:spcBef>
-                <a:spcPct val="0"/>
-              </a:spcBef>
-              <a:spcAft>
-                <a:spcPct val="0"/>
-              </a:spcAft>
-              <a:defRPr sz="3200">
-                <a:solidFill>
-                  <a:schemeClr val="tx1"/>
-                </a:solidFill>
-                <a:latin typeface="Arial" panose="020B0604020202020204" pitchFamily="34" charset="0"/>
-                <a:ea typeface="微软雅黑" panose="020B0503020204020204" pitchFamily="34" charset="-122"/>
-              </a:defRPr>
-            </a:lvl9pPr>
-          </a:lstStyle>
-          <a:p>
+          <a:lstStyle/>
+          <a:p>
+            <a:pPr>
+              <a:defRPr/>
+            </a:pPr>
             <a:r>
               <a:rPr lang="zh-CN" altLang="en-US" dirty="0" smtClean="0">
-                <a:solidFill>
-                  <a:srgbClr val="C00000"/>
-                </a:solidFill>
-                <a:latin typeface="+mj-ea"/>
-                <a:ea typeface="+mj-ea"/>
+                <a:latin typeface="+mn-ea"/>
+                <a:ea typeface="+mn-ea"/>
               </a:rPr>
-              <a:t>内容提纲</a:t>
-            </a:r>
-            <a:endParaRPr lang="zh-CN" altLang="en-US" dirty="0">
-              <a:solidFill>
-                <a:srgbClr val="C00000"/>
-              </a:solidFill>
-              <a:latin typeface="+mj-ea"/>
-              <a:ea typeface="+mj-ea"/>
-            </a:endParaRPr>
-          </a:p>
-        </p:txBody>
-      </p:sp>
-      <p:sp>
-        <p:nvSpPr>
-          <p:cNvPr id="21507" name="AutoShape 6"/>
-          <p:cNvSpPr>
-            <a:spLocks noChangeArrowheads="1"/>
-          </p:cNvSpPr>
-          <p:nvPr/>
-        </p:nvSpPr>
-        <p:spPr bwMode="auto">
-          <a:xfrm>
-            <a:off x="2309813" y="1428750"/>
-            <a:ext cx="6532562" cy="3943350"/>
-          </a:xfrm>
-          <a:prstGeom prst="roundRect">
-            <a:avLst>
-              <a:gd name="adj" fmla="val 16667"/>
-            </a:avLst>
-          </a:prstGeom>
-          <a:noFill/>
-          <a:ln w="28575">
-            <a:solidFill>
-              <a:srgbClr val="C0C0C0"/>
-            </a:solidFill>
-            <a:prstDash val="sysDot"/>
-            <a:round/>
-            <a:headEnd/>
-            <a:tailEnd/>
-          </a:ln>
-          <a:extLst>
-            <a:ext uri="{909E8E84-426E-40DD-AFC4-6F175D3DCCD1}">
-              <a14:hiddenFill xmlns:a14="http://schemas.microsoft.com/office/drawing/2010/main">
-                <a:solidFill>
-                  <a:srgbClr val="FFFFFF"/>
-                </a:solidFill>
-              </a14:hiddenFill>
-            </a:ext>
-          </a:extLst>
-        </p:spPr>
-        <p:txBody>
-          <a:bodyPr wrap="none" anchor="ctr"/>
-          <a:lstStyle>
-            <a:lvl1pPr marL="457200" indent="-457200">
-              <a:defRPr sz="3200">
-                <a:solidFill>
-                  <a:schemeClr val="tx1"/>
-                </a:solidFill>
-                <a:latin typeface="Arial" panose="020B0604020202020204" pitchFamily="34" charset="0"/>
-                <a:ea typeface="微软雅黑" panose="020B0503020204020204" pitchFamily="34" charset="-122"/>
-              </a:defRPr>
-            </a:lvl1pPr>
-            <a:lvl2pPr marL="742950" indent="-285750">
-              <a:defRPr sz="3200">
-                <a:solidFill>
-                  <a:schemeClr val="tx1"/>
-                </a:solidFill>
-                <a:latin typeface="Arial" panose="020B0604020202020204" pitchFamily="34" charset="0"/>
-                <a:ea typeface="微软雅黑" panose="020B0503020204020204" pitchFamily="34" charset="-122"/>
-              </a:defRPr>
-            </a:lvl2pPr>
-            <a:lvl3pPr marL="1143000" indent="-228600">
-              <a:defRPr sz="3200">
-                <a:solidFill>
-                  <a:schemeClr val="tx1"/>
-                </a:solidFill>
-                <a:latin typeface="Arial" panose="020B0604020202020204" pitchFamily="34" charset="0"/>
-                <a:ea typeface="微软雅黑" panose="020B0503020204020204" pitchFamily="34" charset="-122"/>
-              </a:defRPr>
-            </a:lvl3pPr>
-            <a:lvl4pPr marL="1600200" indent="-228600">
-              <a:defRPr sz="3200">
-                <a:solidFill>
-                  <a:schemeClr val="tx1"/>
-                </a:solidFill>
-                <a:latin typeface="Arial" panose="020B0604020202020204" pitchFamily="34" charset="0"/>
-                <a:ea typeface="微软雅黑" panose="020B0503020204020204" pitchFamily="34" charset="-122"/>
-              </a:defRPr>
-            </a:lvl4pPr>
-            <a:lvl5pPr marL="2057400" indent="-228600">
-              <a:defRPr sz="3200">
-                <a:solidFill>
-                  <a:schemeClr val="tx1"/>
-                </a:solidFill>
-                <a:latin typeface="Arial" panose="020B0604020202020204" pitchFamily="34" charset="0"/>
-                <a:ea typeface="微软雅黑" panose="020B0503020204020204" pitchFamily="34" charset="-122"/>
-              </a:defRPr>
-            </a:lvl5pPr>
-            <a:lvl6pPr marL="2514600" indent="-228600" eaLnBrk="0" fontAlgn="base" hangingPunct="0">
-              <a:spcBef>
-                <a:spcPct val="0"/>
-              </a:spcBef>
-              <a:spcAft>
-                <a:spcPct val="0"/>
-              </a:spcAft>
-              <a:defRPr sz="3200">
-                <a:solidFill>
-                  <a:schemeClr val="tx1"/>
-                </a:solidFill>
-                <a:latin typeface="Arial" panose="020B0604020202020204" pitchFamily="34" charset="0"/>
-                <a:ea typeface="微软雅黑" panose="020B0503020204020204" pitchFamily="34" charset="-122"/>
-              </a:defRPr>
-            </a:lvl6pPr>
-            <a:lvl7pPr marL="2971800" indent="-228600" eaLnBrk="0" fontAlgn="base" hangingPunct="0">
-              <a:spcBef>
-                <a:spcPct val="0"/>
-              </a:spcBef>
-              <a:spcAft>
-                <a:spcPct val="0"/>
-              </a:spcAft>
-              <a:defRPr sz="3200">
-                <a:solidFill>
-                  <a:schemeClr val="tx1"/>
-                </a:solidFill>
-                <a:latin typeface="Arial" panose="020B0604020202020204" pitchFamily="34" charset="0"/>
-                <a:ea typeface="微软雅黑" panose="020B0503020204020204" pitchFamily="34" charset="-122"/>
-              </a:defRPr>
-            </a:lvl7pPr>
-            <a:lvl8pPr marL="3429000" indent="-228600" eaLnBrk="0" fontAlgn="base" hangingPunct="0">
-              <a:spcBef>
-                <a:spcPct val="0"/>
-              </a:spcBef>
-              <a:spcAft>
-                <a:spcPct val="0"/>
-              </a:spcAft>
-              <a:defRPr sz="3200">
-                <a:solidFill>
-                  <a:schemeClr val="tx1"/>
-                </a:solidFill>
-                <a:latin typeface="Arial" panose="020B0604020202020204" pitchFamily="34" charset="0"/>
-                <a:ea typeface="微软雅黑" panose="020B0503020204020204" pitchFamily="34" charset="-122"/>
-              </a:defRPr>
-            </a:lvl8pPr>
-            <a:lvl9pPr marL="3886200" indent="-228600" eaLnBrk="0" fontAlgn="base" hangingPunct="0">
-              <a:spcBef>
-                <a:spcPct val="0"/>
-              </a:spcBef>
-              <a:spcAft>
-                <a:spcPct val="0"/>
-              </a:spcAft>
-              <a:defRPr sz="3200">
-                <a:solidFill>
-                  <a:schemeClr val="tx1"/>
-                </a:solidFill>
-                <a:latin typeface="Arial" panose="020B0604020202020204" pitchFamily="34" charset="0"/>
-                <a:ea typeface="微软雅黑" panose="020B0503020204020204" pitchFamily="34" charset="-122"/>
-              </a:defRPr>
-            </a:lvl9pPr>
-          </a:lstStyle>
-          <a:p>
-            <a:pPr>
-              <a:lnSpc>
-                <a:spcPct val="200000"/>
-              </a:lnSpc>
-              <a:buClr>
-                <a:srgbClr val="92D050"/>
-              </a:buClr>
-              <a:buFont typeface="Wingdings" panose="05000000000000000000" pitchFamily="2" charset="2"/>
-              <a:buChar char="Ø"/>
-            </a:pPr>
-            <a:r>
-              <a:rPr lang="zh-CN" altLang="en-US" sz="2800" b="1" dirty="0">
-                <a:latin typeface="+mj-ea"/>
-                <a:ea typeface="+mj-ea"/>
-              </a:rPr>
-              <a:t>组件</a:t>
-            </a:r>
-            <a:endParaRPr lang="en-US" altLang="zh-CN" sz="2800" b="1" dirty="0">
-              <a:latin typeface="+mj-ea"/>
-              <a:ea typeface="+mj-ea"/>
-            </a:endParaRPr>
-          </a:p>
-          <a:p>
-            <a:pPr>
-              <a:lnSpc>
-                <a:spcPct val="200000"/>
-              </a:lnSpc>
-              <a:buClr>
-                <a:srgbClr val="92D050"/>
-              </a:buClr>
-              <a:buFont typeface="Wingdings" panose="05000000000000000000" pitchFamily="2" charset="2"/>
-              <a:buChar char="Ø"/>
-            </a:pPr>
-            <a:r>
-              <a:rPr lang="zh-CN" altLang="en-US" sz="2800" b="1" dirty="0" smtClean="0">
-                <a:latin typeface="+mj-ea"/>
-                <a:ea typeface="+mj-ea"/>
-              </a:rPr>
-              <a:t>生命周期钩子</a:t>
-            </a:r>
-            <a:endParaRPr lang="en-US" altLang="zh-CN" sz="2800" b="1" dirty="0">
-              <a:latin typeface="+mj-ea"/>
-              <a:ea typeface="+mj-ea"/>
-            </a:endParaRPr>
-          </a:p>
-          <a:p>
-            <a:pPr>
-              <a:lnSpc>
-                <a:spcPct val="200000"/>
-              </a:lnSpc>
-              <a:buClr>
-                <a:srgbClr val="92D050"/>
-              </a:buClr>
-              <a:buFont typeface="Wingdings" panose="05000000000000000000" pitchFamily="2" charset="2"/>
-              <a:buChar char="Ø"/>
-            </a:pPr>
-            <a:r>
-              <a:rPr lang="zh-CN" altLang="en-US" sz="2800" b="1" dirty="0">
-                <a:solidFill>
-                  <a:srgbClr val="C00000"/>
-                </a:solidFill>
-                <a:latin typeface="+mj-ea"/>
-                <a:ea typeface="+mj-ea"/>
-              </a:rPr>
-              <a:t>服务</a:t>
-            </a:r>
-            <a:endParaRPr lang="en-US" altLang="zh-CN" sz="2800" b="1" dirty="0">
-              <a:solidFill>
-                <a:srgbClr val="C00000"/>
-              </a:solidFill>
-              <a:latin typeface="+mj-ea"/>
-              <a:ea typeface="+mj-ea"/>
-            </a:endParaRPr>
+              <a:t>生命周期</a:t>
+            </a:r>
           </a:p>
         </p:txBody>
       </p:sp>
     </p:spTree>
     <p:extLst>
       <p:ext uri="{BB962C8B-B14F-4D97-AF65-F5344CB8AC3E}">
-        <p14:creationId xmlns:p14="http://schemas.microsoft.com/office/powerpoint/2010/main" val="441454235"/>
+        <p14:creationId xmlns:p14="http://schemas.microsoft.com/office/powerpoint/2010/main" val="1886560086"/>
       </p:ext>
     </p:extLst>
   </p:cSld>
   <p:clrMapOvr>
     <a:masterClrMapping/>
   </p:clrMapOvr>
-  <p:transition/>
   <p:timing>
     <p:tnLst>
       <p:par>
@@ -3249,6 +2804,733 @@
 </file>
 
 <file path=ppt/slides/slide11.xml><?xml version="1.0" encoding="utf-8"?>
+<p:sld xmlns:a="http://schemas.openxmlformats.org/drawingml/2006/main" xmlns:r="http://schemas.openxmlformats.org/officeDocument/2006/relationships" xmlns:p="http://schemas.openxmlformats.org/presentationml/2006/main">
+  <p:cSld>
+    <p:spTree>
+      <p:nvGrpSpPr>
+        <p:cNvPr id="1" name=""/>
+        <p:cNvGrpSpPr/>
+        <p:nvPr/>
+      </p:nvGrpSpPr>
+      <p:grpSpPr>
+        <a:xfrm>
+          <a:off x="0" y="0"/>
+          <a:ext cx="0" cy="0"/>
+          <a:chOff x="0" y="0"/>
+          <a:chExt cx="0" cy="0"/>
+        </a:xfrm>
+      </p:grpSpPr>
+      <p:sp>
+        <p:nvSpPr>
+          <p:cNvPr id="30722" name="内容占位符 3"/>
+          <p:cNvSpPr>
+            <a:spLocks noGrp="1"/>
+          </p:cNvSpPr>
+          <p:nvPr>
+            <p:ph sz="quarter" idx="10"/>
+          </p:nvPr>
+        </p:nvSpPr>
+        <p:spPr bwMode="auto">
+          <a:xfrm>
+            <a:off x="693526" y="1052513"/>
+            <a:ext cx="10157038" cy="4897642"/>
+          </a:xfrm>
+          <a:solidFill>
+            <a:schemeClr val="bg1"/>
+          </a:solidFill>
+          <a:extLst/>
+        </p:spPr>
+        <p:txBody>
+          <a:bodyPr vert="horz" wrap="square" lIns="91440" tIns="45720" rIns="91440" bIns="45720" numCol="1" anchor="t" anchorCtr="0" compatLnSpc="1">
+            <a:prstTxWarp prst="textNoShape">
+              <a:avLst/>
+            </a:prstTxWarp>
+          </a:bodyPr>
+          <a:lstStyle/>
+          <a:p>
+            <a:pPr marL="360000"/>
+            <a:r>
+              <a:rPr lang="zh-CN" altLang="en-US" dirty="0" smtClean="0"/>
+              <a:t> 生命周期钩子顺序</a:t>
+            </a:r>
+            <a:endParaRPr lang="en-US" altLang="zh-CN" dirty="0" smtClean="0"/>
+          </a:p>
+          <a:p>
+            <a:pPr marL="361587" lvl="1" indent="0">
+              <a:buNone/>
+            </a:pPr>
+            <a:endParaRPr lang="en-US" altLang="zh-CN" dirty="0" smtClean="0"/>
+          </a:p>
+          <a:p>
+            <a:pPr marL="591775" lvl="1"/>
+            <a:endParaRPr lang="en-US" altLang="zh-CN" dirty="0" smtClean="0">
+              <a:solidFill>
+                <a:srgbClr val="FF0000"/>
+              </a:solidFill>
+            </a:endParaRPr>
+          </a:p>
+          <a:p>
+            <a:pPr marL="591775" lvl="1"/>
+            <a:endParaRPr lang="en-US" altLang="zh-CN" sz="2000" dirty="0"/>
+          </a:p>
+          <a:p>
+            <a:pPr marL="593362" lvl="2" indent="0">
+              <a:buNone/>
+            </a:pPr>
+            <a:endParaRPr lang="en-US" altLang="zh-CN" dirty="0" smtClean="0">
+              <a:solidFill>
+                <a:srgbClr val="FF0000"/>
+              </a:solidFill>
+            </a:endParaRPr>
+          </a:p>
+          <a:p>
+            <a:pPr marL="593362" lvl="2"/>
+            <a:endParaRPr lang="en-US" altLang="zh-CN" dirty="0" smtClean="0">
+              <a:solidFill>
+                <a:srgbClr val="FF0000"/>
+              </a:solidFill>
+            </a:endParaRPr>
+          </a:p>
+          <a:p>
+            <a:pPr marL="193312" indent="0">
+              <a:buNone/>
+            </a:pPr>
+            <a:r>
+              <a:rPr lang="en-US" altLang="zh-CN" sz="2400" dirty="0"/>
+              <a:t>	</a:t>
+            </a:r>
+            <a:endParaRPr lang="en-US" altLang="zh-CN" sz="2400" dirty="0" smtClean="0"/>
+          </a:p>
+          <a:p>
+            <a:pPr marL="360000" lvl="1" indent="0">
+              <a:buFont typeface="Arial" charset="0"/>
+              <a:buNone/>
+              <a:defRPr/>
+            </a:pPr>
+            <a:r>
+              <a:rPr lang="en-US" altLang="zh-CN" sz="2400" dirty="0" smtClean="0"/>
+              <a:t>		</a:t>
+            </a:r>
+            <a:endParaRPr lang="zh-CN" altLang="en-US" dirty="0" smtClean="0">
+              <a:ea typeface="宋体" panose="02010600030101010101" pitchFamily="2" charset="-122"/>
+            </a:endParaRPr>
+          </a:p>
+        </p:txBody>
+      </p:sp>
+      <p:sp>
+        <p:nvSpPr>
+          <p:cNvPr id="25603" name="内容占位符 4"/>
+          <p:cNvSpPr>
+            <a:spLocks noGrp="1"/>
+          </p:cNvSpPr>
+          <p:nvPr>
+            <p:ph sz="quarter" idx="11"/>
+          </p:nvPr>
+        </p:nvSpPr>
+        <p:spPr bwMode="auto">
+          <a:xfrm>
+            <a:off x="909638" y="236538"/>
+            <a:ext cx="7575550" cy="490537"/>
+          </a:xfrm>
+          <a:extLst>
+            <a:ext uri="{909E8E84-426E-40DD-AFC4-6F175D3DCCD1}">
+              <a14:hiddenFill xmlns:a14="http://schemas.microsoft.com/office/drawing/2010/main">
+                <a:solidFill>
+                  <a:srgbClr val="FFFFFF"/>
+                </a:solidFill>
+              </a14:hiddenFill>
+            </a:ext>
+            <a:ext uri="{91240B29-F687-4F45-9708-019B960494DF}">
+              <a14:hiddenLine xmlns:a14="http://schemas.microsoft.com/office/drawing/2010/main" w="9525">
+                <a:solidFill>
+                  <a:srgbClr val="000000"/>
+                </a:solidFill>
+                <a:miter lim="800000"/>
+                <a:headEnd/>
+                <a:tailEnd/>
+              </a14:hiddenLine>
+            </a:ext>
+          </a:extLst>
+        </p:spPr>
+        <p:txBody>
+          <a:bodyPr vert="horz" wrap="square" lIns="91440" tIns="45720" rIns="91440" bIns="45720" numCol="1" anchor="t" anchorCtr="0" compatLnSpc="1">
+            <a:prstTxWarp prst="textNoShape">
+              <a:avLst/>
+            </a:prstTxWarp>
+          </a:bodyPr>
+          <a:lstStyle/>
+          <a:p>
+            <a:pPr>
+              <a:defRPr/>
+            </a:pPr>
+            <a:r>
+              <a:rPr lang="zh-CN" altLang="en-US" dirty="0" smtClean="0">
+                <a:latin typeface="+mn-ea"/>
+                <a:ea typeface="+mn-ea"/>
+              </a:rPr>
+              <a:t>生命周期钩子</a:t>
+            </a:r>
+          </a:p>
+        </p:txBody>
+      </p:sp>
+      <p:pic>
+        <p:nvPicPr>
+          <p:cNvPr id="1026" name="Picture 2" descr="C:\Users\hl\Desktop\hooks-in-sequence.png"/>
+          <p:cNvPicPr>
+            <a:picLocks noChangeAspect="1" noChangeArrowheads="1"/>
+          </p:cNvPicPr>
+          <p:nvPr/>
+        </p:nvPicPr>
+        <p:blipFill>
+          <a:blip r:embed="rId2">
+            <a:extLst>
+              <a:ext uri="{28A0092B-C50C-407E-A947-70E740481C1C}">
+                <a14:useLocalDpi xmlns:a14="http://schemas.microsoft.com/office/drawing/2010/main" val="0"/>
+              </a:ext>
+            </a:extLst>
+          </a:blip>
+          <a:srcRect/>
+          <a:stretch>
+            <a:fillRect/>
+          </a:stretch>
+        </p:blipFill>
+        <p:spPr bwMode="auto">
+          <a:xfrm>
+            <a:off x="5621089" y="1052514"/>
+            <a:ext cx="3572330" cy="5054846"/>
+          </a:xfrm>
+          <a:prstGeom prst="rect">
+            <a:avLst/>
+          </a:prstGeom>
+          <a:noFill/>
+          <a:extLst>
+            <a:ext uri="{909E8E84-426E-40DD-AFC4-6F175D3DCCD1}">
+              <a14:hiddenFill xmlns:a14="http://schemas.microsoft.com/office/drawing/2010/main">
+                <a:solidFill>
+                  <a:srgbClr val="FFFFFF"/>
+                </a:solidFill>
+              </a14:hiddenFill>
+            </a:ext>
+          </a:extLst>
+        </p:spPr>
+      </p:pic>
+    </p:spTree>
+    <p:extLst>
+      <p:ext uri="{BB962C8B-B14F-4D97-AF65-F5344CB8AC3E}">
+        <p14:creationId xmlns:p14="http://schemas.microsoft.com/office/powerpoint/2010/main" val="2390175627"/>
+      </p:ext>
+    </p:extLst>
+  </p:cSld>
+  <p:clrMapOvr>
+    <a:masterClrMapping/>
+  </p:clrMapOvr>
+  <p:timing>
+    <p:tnLst>
+      <p:par>
+        <p:cTn id="1" dur="indefinite" restart="never" nodeType="tmRoot"/>
+      </p:par>
+    </p:tnLst>
+  </p:timing>
+</p:sld>
+</file>
+
+<file path=ppt/slides/slide12.xml><?xml version="1.0" encoding="utf-8"?>
+<p:sld xmlns:a="http://schemas.openxmlformats.org/drawingml/2006/main" xmlns:r="http://schemas.openxmlformats.org/officeDocument/2006/relationships" xmlns:p="http://schemas.openxmlformats.org/presentationml/2006/main">
+  <p:cSld>
+    <p:spTree>
+      <p:nvGrpSpPr>
+        <p:cNvPr id="1" name=""/>
+        <p:cNvGrpSpPr/>
+        <p:nvPr/>
+      </p:nvGrpSpPr>
+      <p:grpSpPr>
+        <a:xfrm>
+          <a:off x="0" y="0"/>
+          <a:ext cx="0" cy="0"/>
+          <a:chOff x="0" y="0"/>
+          <a:chExt cx="0" cy="0"/>
+        </a:xfrm>
+      </p:grpSpPr>
+      <p:sp>
+        <p:nvSpPr>
+          <p:cNvPr id="30722" name="内容占位符 3"/>
+          <p:cNvSpPr>
+            <a:spLocks noGrp="1"/>
+          </p:cNvSpPr>
+          <p:nvPr>
+            <p:ph sz="quarter" idx="10"/>
+          </p:nvPr>
+        </p:nvSpPr>
+        <p:spPr bwMode="auto">
+          <a:xfrm>
+            <a:off x="693526" y="907845"/>
+            <a:ext cx="10157038" cy="4897642"/>
+          </a:xfrm>
+          <a:solidFill>
+            <a:schemeClr val="bg1"/>
+          </a:solidFill>
+          <a:extLst/>
+        </p:spPr>
+        <p:txBody>
+          <a:bodyPr vert="horz" wrap="square" lIns="91440" tIns="45720" rIns="91440" bIns="45720" numCol="1" anchor="t" anchorCtr="0" compatLnSpc="1">
+            <a:prstTxWarp prst="textNoShape">
+              <a:avLst/>
+            </a:prstTxWarp>
+          </a:bodyPr>
+          <a:lstStyle/>
+          <a:p>
+            <a:pPr marL="360000"/>
+            <a:r>
+              <a:rPr lang="zh-CN" altLang="en-US" dirty="0" smtClean="0"/>
+              <a:t> </a:t>
+            </a:r>
+            <a:r>
+              <a:rPr lang="en-US" altLang="zh-CN" dirty="0" err="1" smtClean="0"/>
+              <a:t>ngOnChanges</a:t>
+            </a:r>
+            <a:r>
+              <a:rPr lang="en-US" altLang="zh-CN" dirty="0" smtClean="0"/>
+              <a:t>( )</a:t>
+            </a:r>
+          </a:p>
+          <a:p>
+            <a:pPr marL="591775" lvl="1"/>
+            <a:r>
+              <a:rPr lang="zh-CN" altLang="en-US" dirty="0" smtClean="0"/>
+              <a:t> 检测到组件输入</a:t>
+            </a:r>
+            <a:r>
+              <a:rPr lang="zh-CN" altLang="en-US" dirty="0"/>
+              <a:t>属性</a:t>
+            </a:r>
+            <a:r>
+              <a:rPr lang="zh-CN" altLang="en-US" dirty="0" smtClean="0"/>
+              <a:t>发生变化时调用</a:t>
+            </a:r>
+            <a:endParaRPr lang="en-US" altLang="zh-CN" dirty="0" smtClean="0"/>
+          </a:p>
+          <a:p>
+            <a:pPr marL="360000"/>
+            <a:r>
+              <a:rPr lang="en-US" altLang="zh-CN" dirty="0"/>
+              <a:t> </a:t>
+            </a:r>
+            <a:r>
+              <a:rPr lang="en-US" altLang="zh-CN" dirty="0" err="1" smtClean="0"/>
+              <a:t>ngOnInit</a:t>
+            </a:r>
+            <a:r>
+              <a:rPr lang="en-US" altLang="zh-CN" dirty="0" smtClean="0"/>
+              <a:t>( )</a:t>
+            </a:r>
+          </a:p>
+          <a:p>
+            <a:pPr marL="591775" lvl="1"/>
+            <a:r>
+              <a:rPr lang="zh-CN" altLang="en-US" dirty="0" smtClean="0"/>
+              <a:t> 在</a:t>
+            </a:r>
+            <a:r>
+              <a:rPr lang="zh-CN" altLang="en-US" dirty="0"/>
+              <a:t>构造函数之后马上执行复杂的初始化</a:t>
+            </a:r>
+            <a:r>
+              <a:rPr lang="zh-CN" altLang="en-US" dirty="0" smtClean="0"/>
+              <a:t>逻辑</a:t>
+            </a:r>
+            <a:endParaRPr lang="en-US" altLang="zh-CN" dirty="0" smtClean="0"/>
+          </a:p>
+          <a:p>
+            <a:pPr marL="591775" lvl="1"/>
+            <a:r>
+              <a:rPr lang="zh-CN" altLang="en-US" dirty="0" smtClean="0"/>
+              <a:t> 在</a:t>
+            </a:r>
+            <a:r>
+              <a:rPr lang="en-US" altLang="zh-CN" dirty="0"/>
+              <a:t>Angular</a:t>
+            </a:r>
+            <a:r>
+              <a:rPr lang="zh-CN" altLang="en-US" dirty="0"/>
+              <a:t>设置完输入属性之后，对该组件进行</a:t>
+            </a:r>
+            <a:r>
+              <a:rPr lang="zh-CN" altLang="en-US" dirty="0" smtClean="0"/>
+              <a:t>准备</a:t>
+            </a:r>
+            <a:endParaRPr lang="en-US" altLang="zh-CN" dirty="0" smtClean="0"/>
+          </a:p>
+          <a:p>
+            <a:pPr marL="591775" lvl="1"/>
+            <a:r>
+              <a:rPr lang="en-US" altLang="zh-CN" dirty="0"/>
+              <a:t> </a:t>
+            </a:r>
+            <a:r>
+              <a:rPr lang="zh-CN" altLang="en-US" dirty="0" smtClean="0"/>
+              <a:t>只调用一次</a:t>
+            </a:r>
+            <a:endParaRPr lang="en-US" altLang="zh-CN" dirty="0" smtClean="0"/>
+          </a:p>
+          <a:p>
+            <a:pPr marL="360000"/>
+            <a:r>
+              <a:rPr lang="en-US" altLang="zh-CN" dirty="0" smtClean="0"/>
+              <a:t> </a:t>
+            </a:r>
+            <a:r>
+              <a:rPr lang="en-US" altLang="zh-CN" dirty="0" err="1" smtClean="0"/>
+              <a:t>ngDoCheck</a:t>
+            </a:r>
+            <a:r>
+              <a:rPr lang="en-US" altLang="zh-CN" dirty="0" smtClean="0"/>
+              <a:t> ( )</a:t>
+            </a:r>
+          </a:p>
+          <a:p>
+            <a:pPr marL="591775" lvl="1"/>
+            <a:r>
+              <a:rPr lang="zh-CN" altLang="en-US" dirty="0" smtClean="0"/>
+              <a:t> 检测被</a:t>
+            </a:r>
+            <a:r>
+              <a:rPr lang="en-US" altLang="zh-CN" dirty="0"/>
+              <a:t>Angular</a:t>
+            </a:r>
+            <a:r>
+              <a:rPr lang="zh-CN" altLang="en-US" dirty="0"/>
+              <a:t>忽略的更改</a:t>
+            </a:r>
+            <a:endParaRPr lang="en-US" altLang="zh-CN" dirty="0" smtClean="0"/>
+          </a:p>
+          <a:p>
+            <a:pPr marL="591775" lvl="1"/>
+            <a:endParaRPr lang="en-US" altLang="zh-CN" dirty="0" smtClean="0">
+              <a:solidFill>
+                <a:srgbClr val="FF0000"/>
+              </a:solidFill>
+            </a:endParaRPr>
+          </a:p>
+          <a:p>
+            <a:pPr marL="591775" lvl="1"/>
+            <a:endParaRPr lang="en-US" altLang="zh-CN" sz="2000" dirty="0"/>
+          </a:p>
+          <a:p>
+            <a:pPr marL="593362" lvl="2" indent="0">
+              <a:buNone/>
+            </a:pPr>
+            <a:endParaRPr lang="en-US" altLang="zh-CN" dirty="0" smtClean="0">
+              <a:solidFill>
+                <a:srgbClr val="FF0000"/>
+              </a:solidFill>
+            </a:endParaRPr>
+          </a:p>
+          <a:p>
+            <a:pPr marL="593362" lvl="2"/>
+            <a:endParaRPr lang="en-US" altLang="zh-CN" dirty="0" smtClean="0">
+              <a:solidFill>
+                <a:srgbClr val="FF0000"/>
+              </a:solidFill>
+            </a:endParaRPr>
+          </a:p>
+          <a:p>
+            <a:pPr marL="193312" indent="0">
+              <a:buNone/>
+            </a:pPr>
+            <a:r>
+              <a:rPr lang="en-US" altLang="zh-CN" sz="2400" dirty="0"/>
+              <a:t>	</a:t>
+            </a:r>
+            <a:endParaRPr lang="en-US" altLang="zh-CN" sz="2400" dirty="0" smtClean="0"/>
+          </a:p>
+          <a:p>
+            <a:pPr marL="360000" lvl="1" indent="0">
+              <a:buFont typeface="Arial" charset="0"/>
+              <a:buNone/>
+              <a:defRPr/>
+            </a:pPr>
+            <a:r>
+              <a:rPr lang="en-US" altLang="zh-CN" sz="2400" dirty="0" smtClean="0"/>
+              <a:t>		</a:t>
+            </a:r>
+            <a:endParaRPr lang="zh-CN" altLang="en-US" dirty="0" smtClean="0">
+              <a:ea typeface="宋体" panose="02010600030101010101" pitchFamily="2" charset="-122"/>
+            </a:endParaRPr>
+          </a:p>
+        </p:txBody>
+      </p:sp>
+      <p:sp>
+        <p:nvSpPr>
+          <p:cNvPr id="25603" name="内容占位符 4"/>
+          <p:cNvSpPr>
+            <a:spLocks noGrp="1"/>
+          </p:cNvSpPr>
+          <p:nvPr>
+            <p:ph sz="quarter" idx="11"/>
+          </p:nvPr>
+        </p:nvSpPr>
+        <p:spPr bwMode="auto">
+          <a:xfrm>
+            <a:off x="909638" y="236538"/>
+            <a:ext cx="7575550" cy="490537"/>
+          </a:xfrm>
+          <a:extLst>
+            <a:ext uri="{909E8E84-426E-40DD-AFC4-6F175D3DCCD1}">
+              <a14:hiddenFill xmlns:a14="http://schemas.microsoft.com/office/drawing/2010/main">
+                <a:solidFill>
+                  <a:srgbClr val="FFFFFF"/>
+                </a:solidFill>
+              </a14:hiddenFill>
+            </a:ext>
+            <a:ext uri="{91240B29-F687-4F45-9708-019B960494DF}">
+              <a14:hiddenLine xmlns:a14="http://schemas.microsoft.com/office/drawing/2010/main" w="9525">
+                <a:solidFill>
+                  <a:srgbClr val="000000"/>
+                </a:solidFill>
+                <a:miter lim="800000"/>
+                <a:headEnd/>
+                <a:tailEnd/>
+              </a14:hiddenLine>
+            </a:ext>
+          </a:extLst>
+        </p:spPr>
+        <p:txBody>
+          <a:bodyPr vert="horz" wrap="square" lIns="91440" tIns="45720" rIns="91440" bIns="45720" numCol="1" anchor="t" anchorCtr="0" compatLnSpc="1">
+            <a:prstTxWarp prst="textNoShape">
+              <a:avLst/>
+            </a:prstTxWarp>
+          </a:bodyPr>
+          <a:lstStyle/>
+          <a:p>
+            <a:pPr>
+              <a:defRPr/>
+            </a:pPr>
+            <a:r>
+              <a:rPr lang="zh-CN" altLang="en-US" dirty="0" smtClean="0">
+                <a:latin typeface="+mn-ea"/>
+                <a:ea typeface="+mn-ea"/>
+              </a:rPr>
+              <a:t>生命周期钩子</a:t>
+            </a:r>
+          </a:p>
+        </p:txBody>
+      </p:sp>
+    </p:spTree>
+    <p:extLst>
+      <p:ext uri="{BB962C8B-B14F-4D97-AF65-F5344CB8AC3E}">
+        <p14:creationId xmlns:p14="http://schemas.microsoft.com/office/powerpoint/2010/main" val="204462786"/>
+      </p:ext>
+    </p:extLst>
+  </p:cSld>
+  <p:clrMapOvr>
+    <a:masterClrMapping/>
+  </p:clrMapOvr>
+  <p:timing>
+    <p:tnLst>
+      <p:par>
+        <p:cTn id="1" dur="indefinite" restart="never" nodeType="tmRoot"/>
+      </p:par>
+    </p:tnLst>
+  </p:timing>
+</p:sld>
+</file>
+
+<file path=ppt/slides/slide13.xml><?xml version="1.0" encoding="utf-8"?>
+<p:sld xmlns:a="http://schemas.openxmlformats.org/drawingml/2006/main" xmlns:r="http://schemas.openxmlformats.org/officeDocument/2006/relationships" xmlns:p="http://schemas.openxmlformats.org/presentationml/2006/main">
+  <p:cSld>
+    <p:spTree>
+      <p:nvGrpSpPr>
+        <p:cNvPr id="1" name=""/>
+        <p:cNvGrpSpPr/>
+        <p:nvPr/>
+      </p:nvGrpSpPr>
+      <p:grpSpPr>
+        <a:xfrm>
+          <a:off x="0" y="0"/>
+          <a:ext cx="0" cy="0"/>
+          <a:chOff x="0" y="0"/>
+          <a:chExt cx="0" cy="0"/>
+        </a:xfrm>
+      </p:grpSpPr>
+      <p:sp>
+        <p:nvSpPr>
+          <p:cNvPr id="30722" name="内容占位符 3"/>
+          <p:cNvSpPr>
+            <a:spLocks noGrp="1"/>
+          </p:cNvSpPr>
+          <p:nvPr>
+            <p:ph sz="quarter" idx="10"/>
+          </p:nvPr>
+        </p:nvSpPr>
+        <p:spPr bwMode="auto">
+          <a:xfrm>
+            <a:off x="693526" y="1052513"/>
+            <a:ext cx="10157038" cy="4897642"/>
+          </a:xfrm>
+          <a:solidFill>
+            <a:schemeClr val="bg1"/>
+          </a:solidFill>
+          <a:extLst/>
+        </p:spPr>
+        <p:txBody>
+          <a:bodyPr vert="horz" wrap="square" lIns="91440" tIns="45720" rIns="91440" bIns="45720" numCol="1" anchor="t" anchorCtr="0" compatLnSpc="1">
+            <a:prstTxWarp prst="textNoShape">
+              <a:avLst/>
+            </a:prstTxWarp>
+          </a:bodyPr>
+          <a:lstStyle/>
+          <a:p>
+            <a:pPr marL="360000"/>
+            <a:r>
+              <a:rPr lang="zh-CN" altLang="en-US" dirty="0" smtClean="0"/>
+              <a:t> </a:t>
+            </a:r>
+            <a:r>
+              <a:rPr lang="en-US" altLang="zh-CN" dirty="0"/>
+              <a:t> </a:t>
+            </a:r>
+            <a:r>
+              <a:rPr lang="en-US" altLang="zh-CN" dirty="0" err="1"/>
+              <a:t>ngOnDestroy</a:t>
+            </a:r>
+            <a:r>
+              <a:rPr lang="en-US" altLang="zh-CN" dirty="0"/>
+              <a:t>( )</a:t>
+            </a:r>
+          </a:p>
+          <a:p>
+            <a:pPr marL="591775" lvl="1"/>
+            <a:r>
+              <a:rPr lang="zh-CN" altLang="en-US" dirty="0"/>
+              <a:t> 执行组件注销时的清理</a:t>
+            </a:r>
+            <a:r>
+              <a:rPr lang="zh-CN" altLang="en-US" dirty="0" smtClean="0"/>
+              <a:t>工作</a:t>
+            </a:r>
+            <a:endParaRPr lang="en-US" altLang="zh-CN" sz="2000" dirty="0"/>
+          </a:p>
+          <a:p>
+            <a:pPr marL="593362" lvl="2" indent="0">
+              <a:buNone/>
+            </a:pPr>
+            <a:endParaRPr lang="en-US" altLang="zh-CN" dirty="0" smtClean="0">
+              <a:solidFill>
+                <a:srgbClr val="FF0000"/>
+              </a:solidFill>
+            </a:endParaRPr>
+          </a:p>
+          <a:p>
+            <a:pPr marL="593362" lvl="2"/>
+            <a:endParaRPr lang="en-US" altLang="zh-CN" dirty="0" smtClean="0">
+              <a:solidFill>
+                <a:srgbClr val="FF0000"/>
+              </a:solidFill>
+            </a:endParaRPr>
+          </a:p>
+          <a:p>
+            <a:pPr marL="193312" indent="0">
+              <a:buNone/>
+            </a:pPr>
+            <a:r>
+              <a:rPr lang="en-US" altLang="zh-CN" sz="2400" dirty="0"/>
+              <a:t>	</a:t>
+            </a:r>
+            <a:endParaRPr lang="en-US" altLang="zh-CN" sz="2400" dirty="0" smtClean="0"/>
+          </a:p>
+          <a:p>
+            <a:pPr marL="360000" lvl="1" indent="0">
+              <a:buFont typeface="Arial" charset="0"/>
+              <a:buNone/>
+              <a:defRPr/>
+            </a:pPr>
+            <a:r>
+              <a:rPr lang="en-US" altLang="zh-CN" sz="2400" dirty="0" smtClean="0"/>
+              <a:t>		</a:t>
+            </a:r>
+            <a:endParaRPr lang="zh-CN" altLang="en-US" dirty="0" smtClean="0">
+              <a:ea typeface="宋体" panose="02010600030101010101" pitchFamily="2" charset="-122"/>
+            </a:endParaRPr>
+          </a:p>
+        </p:txBody>
+      </p:sp>
+      <p:sp>
+        <p:nvSpPr>
+          <p:cNvPr id="25603" name="内容占位符 4"/>
+          <p:cNvSpPr>
+            <a:spLocks noGrp="1"/>
+          </p:cNvSpPr>
+          <p:nvPr>
+            <p:ph sz="quarter" idx="11"/>
+          </p:nvPr>
+        </p:nvSpPr>
+        <p:spPr bwMode="auto">
+          <a:xfrm>
+            <a:off x="909638" y="236538"/>
+            <a:ext cx="7575550" cy="490537"/>
+          </a:xfrm>
+          <a:extLst>
+            <a:ext uri="{909E8E84-426E-40DD-AFC4-6F175D3DCCD1}">
+              <a14:hiddenFill xmlns:a14="http://schemas.microsoft.com/office/drawing/2010/main">
+                <a:solidFill>
+                  <a:srgbClr val="FFFFFF"/>
+                </a:solidFill>
+              </a14:hiddenFill>
+            </a:ext>
+            <a:ext uri="{91240B29-F687-4F45-9708-019B960494DF}">
+              <a14:hiddenLine xmlns:a14="http://schemas.microsoft.com/office/drawing/2010/main" w="9525">
+                <a:solidFill>
+                  <a:srgbClr val="000000"/>
+                </a:solidFill>
+                <a:miter lim="800000"/>
+                <a:headEnd/>
+                <a:tailEnd/>
+              </a14:hiddenLine>
+            </a:ext>
+          </a:extLst>
+        </p:spPr>
+        <p:txBody>
+          <a:bodyPr vert="horz" wrap="square" lIns="91440" tIns="45720" rIns="91440" bIns="45720" numCol="1" anchor="t" anchorCtr="0" compatLnSpc="1">
+            <a:prstTxWarp prst="textNoShape">
+              <a:avLst/>
+            </a:prstTxWarp>
+          </a:bodyPr>
+          <a:lstStyle/>
+          <a:p>
+            <a:pPr>
+              <a:defRPr/>
+            </a:pPr>
+            <a:r>
+              <a:rPr lang="zh-CN" altLang="en-US" dirty="0" smtClean="0">
+                <a:latin typeface="+mn-ea"/>
+                <a:ea typeface="+mn-ea"/>
+              </a:rPr>
+              <a:t>生命周期钩子</a:t>
+            </a:r>
+          </a:p>
+        </p:txBody>
+      </p:sp>
+    </p:spTree>
+    <p:extLst>
+      <p:ext uri="{BB962C8B-B14F-4D97-AF65-F5344CB8AC3E}">
+        <p14:creationId xmlns:p14="http://schemas.microsoft.com/office/powerpoint/2010/main" val="2269290265"/>
+      </p:ext>
+    </p:extLst>
+  </p:cSld>
+  <p:clrMapOvr>
+    <a:masterClrMapping/>
+  </p:clrMapOvr>
+  <p:timing>
+    <p:tnLst>
+      <p:par>
+        <p:cTn id="1" dur="indefinite" restart="never" nodeType="tmRoot"/>
+      </p:par>
+    </p:tnLst>
+  </p:timing>
+</p:sld>
+</file>
+
+<file path=ppt/slides/slide14.xml><?xml version="1.0" encoding="utf-8"?>
 <p:sld xmlns:a="http://schemas.openxmlformats.org/drawingml/2006/main" xmlns:r="http://schemas.openxmlformats.org/officeDocument/2006/relationships" xmlns:p="http://schemas.openxmlformats.org/presentationml/2006/main">
   <p:cSld>
     <p:spTree>
@@ -3837,29 +4119,6 @@
               <a:ea typeface="+mj-ea"/>
             </a:endParaRPr>
           </a:p>
-          <a:p>
-            <a:pPr>
-              <a:lnSpc>
-                <a:spcPct val="200000"/>
-              </a:lnSpc>
-              <a:buClr>
-                <a:srgbClr val="92D050"/>
-              </a:buClr>
-              <a:buFont typeface="Wingdings" panose="05000000000000000000" pitchFamily="2" charset="2"/>
-              <a:buChar char="Ø"/>
-            </a:pPr>
-            <a:r>
-              <a:rPr lang="zh-CN" altLang="en-US" sz="2800" b="1" dirty="0" smtClean="0">
-                <a:latin typeface="+mj-ea"/>
-                <a:ea typeface="+mj-ea"/>
-              </a:rPr>
-              <a:t>服务</a:t>
-            </a:r>
-            <a:endParaRPr lang="en-US" altLang="zh-CN" sz="2800" b="1" dirty="0">
-              <a:latin typeface="+mj-ea"/>
-              <a:ea typeface="+mj-ea"/>
-            </a:endParaRPr>
-          </a:p>
         </p:txBody>
       </p:sp>
     </p:spTree>
@@ -3931,7 +4190,23 @@
             <a:pPr marL="360000"/>
             <a:r>
               <a:rPr lang="zh-CN" altLang="en-US" dirty="0" smtClean="0"/>
-              <a:t> 组件化介绍</a:t>
+              <a:t> 组件</a:t>
+            </a:r>
+            <a:endParaRPr lang="en-US" altLang="zh-CN" dirty="0"/>
+          </a:p>
+          <a:p>
+            <a:pPr marL="591775" lvl="1"/>
+            <a:r>
+              <a:rPr lang="zh-CN" altLang="en-US" dirty="0" smtClean="0"/>
+              <a:t> 组件</a:t>
+            </a:r>
+            <a:r>
+              <a:rPr lang="zh-CN" altLang="en-US" dirty="0"/>
+              <a:t>负责控制屏幕上</a:t>
+            </a:r>
+            <a:r>
+              <a:rPr lang="zh-CN" altLang="en-US" dirty="0" smtClean="0"/>
+              <a:t>的某一块区域，即视图</a:t>
             </a:r>
             <a:endParaRPr lang="en-US" altLang="zh-CN" dirty="0" smtClean="0"/>
           </a:p>
@@ -3943,7 +4218,7 @@
             </a:r>
             <a:r>
               <a:rPr lang="zh-CN" altLang="en-US" dirty="0" smtClean="0"/>
-              <a:t>组件化是</a:t>
+              <a:t>组件是</a:t>
             </a:r>
             <a:r>
               <a:rPr lang="en-US" altLang="zh-CN" dirty="0" smtClean="0"/>
@@ -3955,15 +4230,15 @@
             </a:r>
             <a:r>
               <a:rPr lang="zh-CN" altLang="en-US" dirty="0"/>
-              <a:t>模块化机制</a:t>
-            </a:r>
-            <a:r>
-              <a:rPr lang="en-US" altLang="zh-CN" dirty="0" err="1"/>
-              <a:t>NgModule</a:t>
+              <a:t>模块化</a:t>
+            </a:r>
+            <a:r>
+              <a:rPr lang="zh-CN" altLang="en-US" dirty="0" smtClean="0"/>
+              <a:t>机制是</a:t>
             </a:r>
             <a:r>
               <a:rPr lang="zh-CN" altLang="en-US" dirty="0"/>
-              <a:t>是为组件化服务的</a:t>
+              <a:t>为组件化服务的</a:t>
             </a:r>
             <a:endParaRPr lang="en-US" altLang="zh-CN" dirty="0" smtClean="0"/>
           </a:p>
@@ -4098,7 +4373,7 @@
         </p:blipFill>
         <p:spPr bwMode="auto">
           <a:xfrm>
-            <a:off x="1197756" y="2936681"/>
+            <a:off x="1197756" y="2924769"/>
             <a:ext cx="9605677" cy="3013473"/>
           </a:xfrm>
           <a:prstGeom prst="rect">
@@ -4348,8 +4623,8 @@
               <a:t>components/</a:t>
             </a:r>
             <a:r>
-              <a:rPr lang="zh-CN" altLang="en-US" dirty="0" smtClean="0"/>
-              <a:t>组件名</a:t>
+              <a:rPr lang="en-US" altLang="zh-CN" dirty="0" err="1" smtClean="0"/>
+              <a:t>componentName</a:t>
             </a:r>
             <a:r>
               <a:rPr lang="en-US" altLang="zh-CN" dirty="0" smtClean="0"/>
@@ -5328,6 +5603,321 @@
             <a:pPr marL="360000"/>
             <a:r>
               <a:rPr lang="zh-CN" altLang="en-US" dirty="0" smtClean="0"/>
+              <a:t> 组件的基础构成</a:t>
+            </a:r>
+            <a:endParaRPr lang="en-US" altLang="zh-CN" dirty="0" smtClean="0"/>
+          </a:p>
+          <a:p>
+            <a:pPr marL="591775" lvl="1"/>
+            <a:r>
+              <a:rPr lang="en-US" altLang="zh-CN" dirty="0" smtClean="0"/>
+              <a:t> </a:t>
+            </a:r>
+            <a:r>
+              <a:rPr lang="zh-CN" altLang="en-US" dirty="0" smtClean="0"/>
+              <a:t>组件装饰器 </a:t>
+            </a:r>
+            <a:r>
+              <a:rPr lang="en-US" altLang="zh-CN" dirty="0" smtClean="0"/>
+              <a:t>-- @component( )</a:t>
+            </a:r>
+          </a:p>
+          <a:p>
+            <a:pPr marL="593362" lvl="2"/>
+            <a:r>
+              <a:rPr lang="en-US" altLang="zh-CN" dirty="0"/>
+              <a:t> </a:t>
+            </a:r>
+            <a:r>
+              <a:rPr lang="zh-CN" altLang="en-US" dirty="0" smtClean="0"/>
+              <a:t>每个组件类必须用 </a:t>
+            </a:r>
+            <a:r>
+              <a:rPr lang="en-US" altLang="zh-CN" dirty="0" smtClean="0"/>
+              <a:t>@component </a:t>
+            </a:r>
+            <a:r>
+              <a:rPr lang="zh-CN" altLang="en-US" dirty="0" smtClean="0"/>
+              <a:t>修饰才能成为 </a:t>
+            </a:r>
+            <a:r>
+              <a:rPr lang="en-US" altLang="zh-CN" dirty="0" smtClean="0"/>
+              <a:t>Angular </a:t>
+            </a:r>
+            <a:r>
+              <a:rPr lang="zh-CN" altLang="en-US" dirty="0" smtClean="0"/>
+              <a:t>组件</a:t>
+            </a:r>
+            <a:endParaRPr lang="en-US" altLang="zh-CN" dirty="0" smtClean="0"/>
+          </a:p>
+          <a:p>
+            <a:pPr marL="591775" lvl="1"/>
+            <a:r>
+              <a:rPr lang="en-US" altLang="zh-CN" dirty="0" smtClean="0"/>
+              <a:t> </a:t>
+            </a:r>
+            <a:r>
+              <a:rPr lang="zh-CN" altLang="en-US" dirty="0" smtClean="0"/>
+              <a:t>组件元数据</a:t>
+            </a:r>
+            <a:endParaRPr lang="en-US" altLang="zh-CN" dirty="0" smtClean="0"/>
+          </a:p>
+          <a:p>
+            <a:pPr marL="593362" lvl="2"/>
+            <a:r>
+              <a:rPr lang="en-US" altLang="zh-CN" dirty="0"/>
+              <a:t> </a:t>
+            </a:r>
+            <a:r>
+              <a:rPr lang="en-US" altLang="zh-CN" dirty="0" smtClean="0"/>
+              <a:t>selector</a:t>
+            </a:r>
+            <a:r>
+              <a:rPr lang="zh-CN" altLang="en-US" dirty="0" smtClean="0"/>
+              <a:t>、</a:t>
+            </a:r>
+            <a:r>
+              <a:rPr lang="en-US" altLang="zh-CN" dirty="0" smtClean="0"/>
+              <a:t>template</a:t>
+            </a:r>
+            <a:r>
+              <a:rPr lang="zh-CN" altLang="en-US" dirty="0" smtClean="0"/>
+              <a:t>、</a:t>
+            </a:r>
+            <a:r>
+              <a:rPr lang="en-US" altLang="zh-CN" dirty="0" smtClean="0"/>
+              <a:t>styles</a:t>
+            </a:r>
+            <a:r>
+              <a:rPr lang="zh-CN" altLang="en-US" dirty="0" smtClean="0"/>
+              <a:t>、</a:t>
+            </a:r>
+            <a:r>
+              <a:rPr lang="en-US" altLang="zh-CN" dirty="0" smtClean="0"/>
+              <a:t>providers</a:t>
+            </a:r>
+            <a:r>
+              <a:rPr lang="zh-CN" altLang="en-US" dirty="0" smtClean="0"/>
+              <a:t>、</a:t>
+            </a:r>
+            <a:r>
+              <a:rPr lang="en-US" altLang="zh-CN" dirty="0" err="1" smtClean="0"/>
+              <a:t>templateUrl</a:t>
+            </a:r>
+            <a:r>
+              <a:rPr lang="zh-CN" altLang="en-US" dirty="0" smtClean="0"/>
+              <a:t>、</a:t>
+            </a:r>
+            <a:r>
+              <a:rPr lang="en-US" altLang="zh-CN" dirty="0" err="1" smtClean="0"/>
+              <a:t>styleUrls</a:t>
+            </a:r>
+            <a:endParaRPr lang="en-US" altLang="zh-CN" dirty="0" smtClean="0"/>
+          </a:p>
+          <a:p>
+            <a:pPr marL="591775" lvl="1"/>
+            <a:r>
+              <a:rPr lang="en-US" altLang="zh-CN" dirty="0"/>
+              <a:t> </a:t>
+            </a:r>
+            <a:r>
+              <a:rPr lang="zh-CN" altLang="en-US" dirty="0" smtClean="0"/>
+              <a:t>模板</a:t>
+            </a:r>
+            <a:endParaRPr lang="en-US" altLang="zh-CN" dirty="0" smtClean="0"/>
+          </a:p>
+          <a:p>
+            <a:pPr marL="593362" lvl="2"/>
+            <a:r>
+              <a:rPr lang="en-US" altLang="zh-CN" dirty="0"/>
+              <a:t> </a:t>
+            </a:r>
+            <a:r>
+              <a:rPr lang="zh-CN" altLang="en-US" dirty="0" smtClean="0"/>
+              <a:t>每个组件只能关联一个模板，这个模板会渲染到页面上</a:t>
+            </a:r>
+            <a:endParaRPr lang="en-US" altLang="zh-CN" dirty="0" smtClean="0"/>
+          </a:p>
+          <a:p>
+            <a:pPr marL="591775" lvl="1"/>
+            <a:r>
+              <a:rPr lang="en-US" altLang="zh-CN" dirty="0"/>
+              <a:t> </a:t>
+            </a:r>
+            <a:r>
+              <a:rPr lang="zh-CN" altLang="en-US" smtClean="0"/>
+              <a:t>组件类：定义组件的逻辑</a:t>
+            </a:r>
+            <a:endParaRPr lang="en-US" altLang="zh-CN" dirty="0" smtClean="0"/>
+          </a:p>
+          <a:p>
+            <a:pPr marL="593362" lvl="2" indent="0">
+              <a:buNone/>
+            </a:pPr>
+            <a:endParaRPr lang="en-US" altLang="zh-CN" dirty="0" smtClean="0">
+              <a:solidFill>
+                <a:srgbClr val="FF0000"/>
+              </a:solidFill>
+            </a:endParaRPr>
+          </a:p>
+          <a:p>
+            <a:pPr marL="593362" lvl="2"/>
+            <a:endParaRPr lang="en-US" altLang="zh-CN" dirty="0" smtClean="0">
+              <a:solidFill>
+                <a:srgbClr val="FF0000"/>
+              </a:solidFill>
+            </a:endParaRPr>
+          </a:p>
+          <a:p>
+            <a:pPr marL="193312" indent="0">
+              <a:buNone/>
+            </a:pPr>
+            <a:r>
+              <a:rPr lang="en-US" altLang="zh-CN" sz="2400" dirty="0"/>
+              <a:t>	</a:t>
+            </a:r>
+            <a:endParaRPr lang="en-US" altLang="zh-CN" sz="2400" dirty="0" smtClean="0"/>
+          </a:p>
+          <a:p>
+            <a:pPr marL="360000" lvl="1" indent="0">
+              <a:buFont typeface="Arial" charset="0"/>
+              <a:buNone/>
+              <a:defRPr/>
+            </a:pPr>
+            <a:r>
+              <a:rPr lang="en-US" altLang="zh-CN" sz="2400" dirty="0" smtClean="0"/>
+              <a:t>		</a:t>
+            </a:r>
+            <a:endParaRPr lang="zh-CN" altLang="en-US" dirty="0" smtClean="0">
+              <a:ea typeface="宋体" panose="02010600030101010101" pitchFamily="2" charset="-122"/>
+            </a:endParaRPr>
+          </a:p>
+        </p:txBody>
+      </p:sp>
+      <p:sp>
+        <p:nvSpPr>
+          <p:cNvPr id="25603" name="内容占位符 4"/>
+          <p:cNvSpPr>
+            <a:spLocks noGrp="1"/>
+          </p:cNvSpPr>
+          <p:nvPr>
+            <p:ph sz="quarter" idx="11"/>
+          </p:nvPr>
+        </p:nvSpPr>
+        <p:spPr bwMode="auto">
+          <a:xfrm>
+            <a:off x="909638" y="236538"/>
+            <a:ext cx="7575550" cy="490537"/>
+          </a:xfrm>
+          <a:extLst>
+            <a:ext uri="{909E8E84-426E-40DD-AFC4-6F175D3DCCD1}">
+              <a14:hiddenFill xmlns:a14="http://schemas.microsoft.com/office/drawing/2010/main">
+                <a:solidFill>
+                  <a:srgbClr val="FFFFFF"/>
+                </a:solidFill>
+              </a14:hiddenFill>
+            </a:ext>
+            <a:ext uri="{91240B29-F687-4F45-9708-019B960494DF}">
+              <a14:hiddenLine xmlns:a14="http://schemas.microsoft.com/office/drawing/2010/main" w="9525">
+                <a:solidFill>
+                  <a:srgbClr val="000000"/>
+                </a:solidFill>
+                <a:miter lim="800000"/>
+                <a:headEnd/>
+                <a:tailEnd/>
+              </a14:hiddenLine>
+            </a:ext>
+          </a:extLst>
+        </p:spPr>
+        <p:txBody>
+          <a:bodyPr vert="horz" wrap="square" lIns="91440" tIns="45720" rIns="91440" bIns="45720" numCol="1" anchor="t" anchorCtr="0" compatLnSpc="1">
+            <a:prstTxWarp prst="textNoShape">
+              <a:avLst/>
+            </a:prstTxWarp>
+          </a:bodyPr>
+          <a:lstStyle/>
+          <a:p>
+            <a:pPr>
+              <a:defRPr/>
+            </a:pPr>
+            <a:r>
+              <a:rPr lang="zh-CN" altLang="en-US" dirty="0" smtClean="0">
+                <a:latin typeface="+mn-ea"/>
+                <a:ea typeface="+mn-ea"/>
+              </a:rPr>
+              <a:t>组件</a:t>
+            </a:r>
+          </a:p>
+        </p:txBody>
+      </p:sp>
+    </p:spTree>
+    <p:extLst>
+      <p:ext uri="{BB962C8B-B14F-4D97-AF65-F5344CB8AC3E}">
+        <p14:creationId xmlns:p14="http://schemas.microsoft.com/office/powerpoint/2010/main" val="442984722"/>
+      </p:ext>
+    </p:extLst>
+  </p:cSld>
+  <p:clrMapOvr>
+    <a:masterClrMapping/>
+  </p:clrMapOvr>
+  <p:timing>
+    <p:tnLst>
+      <p:par>
+        <p:cTn id="1" dur="indefinite" restart="never" nodeType="tmRoot"/>
+      </p:par>
+    </p:tnLst>
+  </p:timing>
+</p:sld>
+</file>
+
+<file path=ppt/slides/slide6.xml><?xml version="1.0" encoding="utf-8"?>
+<p:sld xmlns:a="http://schemas.openxmlformats.org/drawingml/2006/main" xmlns:r="http://schemas.openxmlformats.org/officeDocument/2006/relationships" xmlns:p="http://schemas.openxmlformats.org/presentationml/2006/main">
+  <p:cSld>
+    <p:spTree>
+      <p:nvGrpSpPr>
+        <p:cNvPr id="1" name=""/>
+        <p:cNvGrpSpPr/>
+        <p:nvPr/>
+      </p:nvGrpSpPr>
+      <p:grpSpPr>
+        <a:xfrm>
+          <a:off x="0" y="0"/>
+          <a:ext cx="0" cy="0"/>
+          <a:chOff x="0" y="0"/>
+          <a:chExt cx="0" cy="0"/>
+        </a:xfrm>
+      </p:grpSpPr>
+      <p:sp>
+        <p:nvSpPr>
+          <p:cNvPr id="30722" name="内容占位符 3"/>
+          <p:cNvSpPr>
+            <a:spLocks noGrp="1"/>
+          </p:cNvSpPr>
+          <p:nvPr>
+            <p:ph sz="quarter" idx="10"/>
+          </p:nvPr>
+        </p:nvSpPr>
+        <p:spPr bwMode="auto">
+          <a:xfrm>
+            <a:off x="693526" y="1052513"/>
+            <a:ext cx="10157038" cy="4897642"/>
+          </a:xfrm>
+          <a:solidFill>
+            <a:schemeClr val="bg1"/>
+          </a:solidFill>
+          <a:extLst/>
+        </p:spPr>
+        <p:txBody>
+          <a:bodyPr vert="horz" wrap="square" lIns="91440" tIns="45720" rIns="91440" bIns="45720" numCol="1" anchor="t" anchorCtr="0" compatLnSpc="1">
+            <a:prstTxWarp prst="textNoShape">
+              <a:avLst/>
+            </a:prstTxWarp>
+          </a:bodyPr>
+          <a:lstStyle/>
+          <a:p>
+            <a:pPr marL="360000"/>
+            <a:r>
+              <a:rPr lang="zh-CN" altLang="en-US" dirty="0" smtClean="0"/>
               <a:t> 组件交互（父组件到子组件）  </a:t>
             </a:r>
             <a:r>
@@ -6234,7 +6824,7 @@
 </p:sld>
 </file>
 
-<file path=ppt/slides/slide6.xml><?xml version="1.0" encoding="utf-8"?>
+<file path=ppt/slides/slide7.xml><?xml version="1.0" encoding="utf-8"?>
 <p:sld xmlns:a="http://schemas.openxmlformats.org/drawingml/2006/main" xmlns:r="http://schemas.openxmlformats.org/officeDocument/2006/relationships" xmlns:p="http://schemas.openxmlformats.org/presentationml/2006/main">
   <p:cSld>
     <p:spTree>
@@ -6309,11 +6899,7 @@
             </a:r>
             <a:r>
               <a:rPr lang="zh-CN" altLang="en-US" dirty="0" smtClean="0"/>
-              <a:t>子组件</a:t>
-            </a:r>
-            <a:r>
-              <a:rPr lang="zh-CN" altLang="en-US" dirty="0" smtClean="0"/>
-              <a:t>引入 </a:t>
+              <a:t>子组件引入 </a:t>
             </a:r>
             <a:r>
               <a:rPr lang="en-US" altLang="zh-CN" dirty="0" err="1" smtClean="0"/>
@@ -6327,7 +6913,6 @@
               <a:rPr lang="en-US" altLang="zh-CN" dirty="0" smtClean="0"/>
               <a:t>Output</a:t>
             </a:r>
-            <a:endParaRPr lang="en-US" altLang="zh-CN" dirty="0" smtClean="0"/>
           </a:p>
           <a:p>
             <a:pPr marL="593362" lvl="2"/>
@@ -6436,11 +7021,7 @@
             </a:r>
             <a:r>
               <a:rPr lang="en-US" altLang="zh-CN" dirty="0" smtClean="0"/>
-              <a:t>put</a:t>
-            </a:r>
-            <a:r>
-              <a:rPr lang="en-US" altLang="zh-CN" dirty="0" smtClean="0"/>
-              <a:t>( ) </a:t>
+              <a:t>put( ) </a:t>
             </a:r>
             <a:r>
               <a:rPr lang="en-US" altLang="zh-CN" dirty="0" err="1" smtClean="0"/>
@@ -6474,11 +7055,6 @@
               </a:rPr>
               <a:t>			</a:t>
             </a:r>
-            <a:endParaRPr lang="en-US" altLang="zh-CN" dirty="0" smtClean="0">
-              <a:solidFill>
-                <a:srgbClr val="FF0000"/>
-              </a:solidFill>
-            </a:endParaRPr>
           </a:p>
           <a:p>
             <a:pPr marL="591775" lvl="1"/>
@@ -6504,7 +7080,7 @@
             </a:r>
             <a:r>
               <a:rPr lang="en-US" altLang="zh-CN" dirty="0" smtClean="0"/>
-              <a:t>emits </a:t>
+              <a:t>emit </a:t>
             </a:r>
             <a:r>
               <a:rPr lang="zh-CN" altLang="en-US" dirty="0" smtClean="0"/>
@@ -6515,12 +7091,12 @@
           <a:p>
             <a:pPr marL="593362" lvl="2"/>
             <a:r>
-              <a:rPr lang="en-US" altLang="zh-CN" dirty="0" err="1" smtClean="0"/>
-              <a:t>this.eventName.emits</a:t>
+              <a:rPr lang="en-US" altLang="zh-CN" smtClean="0"/>
+              <a:t>this.eventName.emit( </a:t>
             </a:r>
             <a:r>
               <a:rPr lang="en-US" altLang="zh-CN" dirty="0" smtClean="0"/>
-              <a:t>( data )</a:t>
+              <a:t>data )</a:t>
             </a:r>
           </a:p>
           <a:p>
@@ -7222,7 +7798,7 @@
 </p:sld>
 </file>
 
-<file path=ppt/slides/slide7.xml><?xml version="1.0" encoding="utf-8"?>
+<file path=ppt/slides/slide8.xml><?xml version="1.0" encoding="utf-8"?>
 <p:sld xmlns:a="http://schemas.openxmlformats.org/drawingml/2006/main" xmlns:r="http://schemas.openxmlformats.org/officeDocument/2006/relationships" xmlns:p="http://schemas.openxmlformats.org/presentationml/2006/main">
   <p:cSld>
     <p:spTree>
@@ -7270,11 +7846,7 @@
             <a:pPr marL="360000"/>
             <a:r>
               <a:rPr lang="zh-CN" altLang="en-US" dirty="0" smtClean="0"/>
-              <a:t> 组件交互（子组件到父</a:t>
-            </a:r>
-            <a:r>
-              <a:rPr lang="zh-CN" altLang="en-US" dirty="0" smtClean="0"/>
-              <a:t>组件） （续）</a:t>
+              <a:t> 组件交互（子组件到父组件） （续）</a:t>
             </a:r>
             <a:endParaRPr lang="en-US" altLang="zh-CN" dirty="0" smtClean="0"/>
           </a:p>
@@ -7324,7 +7896,6 @@
               <a:rPr lang="en-US" altLang="zh-CN" dirty="0" smtClean="0"/>
               <a:t> )=“fun($event)”&gt;</a:t>
             </a:r>
-            <a:endParaRPr lang="en-US" altLang="zh-CN" dirty="0" smtClean="0"/>
           </a:p>
           <a:p>
             <a:pPr marL="591775" lvl="1"/>
@@ -7450,7 +8021,7 @@
 </p:sld>
 </file>
 
-<file path=ppt/slides/slide8.xml><?xml version="1.0" encoding="utf-8"?>
+<file path=ppt/slides/slide9.xml><?xml version="1.0" encoding="utf-8"?>
 <p:sld xmlns:a="http://schemas.openxmlformats.org/drawingml/2006/main" xmlns:r="http://schemas.openxmlformats.org/officeDocument/2006/relationships" xmlns:p="http://schemas.openxmlformats.org/presentationml/2006/main">
   <p:cSld>
     <p:spTree>
@@ -7838,29 +8409,6 @@
               <a:ea typeface="+mj-ea"/>
             </a:endParaRPr>
           </a:p>
-          <a:p>
-            <a:pPr>
-              <a:lnSpc>
-                <a:spcPct val="200000"/>
-              </a:lnSpc>
-              <a:buClr>
-                <a:srgbClr val="92D050"/>
-              </a:buClr>
-              <a:buFont typeface="Wingdings" panose="05000000000000000000" pitchFamily="2" charset="2"/>
-              <a:buChar char="Ø"/>
-            </a:pPr>
-            <a:r>
-              <a:rPr lang="zh-CN" altLang="en-US" sz="2800" b="1">
-                <a:latin typeface="+mj-ea"/>
-                <a:ea typeface="+mj-ea"/>
-              </a:rPr>
-              <a:t>服务</a:t>
-            </a:r>
-            <a:endParaRPr lang="en-US" altLang="zh-CN" sz="2800" b="1" dirty="0">
-              <a:latin typeface="+mj-ea"/>
-              <a:ea typeface="+mj-ea"/>
-            </a:endParaRPr>
-          </a:p>
         </p:txBody>
       </p:sp>
     </p:spTree>
@@ -7874,239 +8422,6 @@
     <a:masterClrMapping/>
   </p:clrMapOvr>
   <p:transition/>
-  <p:timing>
-    <p:tnLst>
-      <p:par>
-        <p:cTn id="1" dur="indefinite" restart="never" nodeType="tmRoot"/>
-      </p:par>
-    </p:tnLst>
-  </p:timing>
-</p:sld>
-</file>
-
-<file path=ppt/slides/slide9.xml><?xml version="1.0" encoding="utf-8"?>
-<p:sld xmlns:a="http://schemas.openxmlformats.org/drawingml/2006/main" xmlns:r="http://schemas.openxmlformats.org/officeDocument/2006/relationships" xmlns:p="http://schemas.openxmlformats.org/presentationml/2006/main">
-  <p:cSld>
-    <p:spTree>
-      <p:nvGrpSpPr>
-        <p:cNvPr id="1" name=""/>
-        <p:cNvGrpSpPr/>
-        <p:nvPr/>
-      </p:nvGrpSpPr>
-      <p:grpSpPr>
-        <a:xfrm>
-          <a:off x="0" y="0"/>
-          <a:ext cx="0" cy="0"/>
-          <a:chOff x="0" y="0"/>
-          <a:chExt cx="0" cy="0"/>
-        </a:xfrm>
-      </p:grpSpPr>
-      <p:sp>
-        <p:nvSpPr>
-          <p:cNvPr id="30722" name="内容占位符 3"/>
-          <p:cNvSpPr>
-            <a:spLocks noGrp="1"/>
-          </p:cNvSpPr>
-          <p:nvPr>
-            <p:ph sz="quarter" idx="10"/>
-          </p:nvPr>
-        </p:nvSpPr>
-        <p:spPr bwMode="auto">
-          <a:xfrm>
-            <a:off x="693526" y="1052513"/>
-            <a:ext cx="10157038" cy="4897642"/>
-          </a:xfrm>
-          <a:solidFill>
-            <a:schemeClr val="bg1"/>
-          </a:solidFill>
-          <a:extLst/>
-        </p:spPr>
-        <p:txBody>
-          <a:bodyPr vert="horz" wrap="square" lIns="91440" tIns="45720" rIns="91440" bIns="45720" numCol="1" anchor="t" anchorCtr="0" compatLnSpc="1">
-            <a:prstTxWarp prst="textNoShape">
-              <a:avLst/>
-            </a:prstTxWarp>
-          </a:bodyPr>
-          <a:lstStyle/>
-          <a:p>
-            <a:pPr marL="360000"/>
-            <a:r>
-              <a:rPr lang="zh-CN" altLang="en-US" dirty="0" smtClean="0"/>
-              <a:t> </a:t>
-            </a:r>
-            <a:r>
-              <a:rPr lang="zh-CN" altLang="en-US" dirty="0" smtClean="0"/>
-              <a:t>生命周期</a:t>
-            </a:r>
-            <a:endParaRPr lang="en-US" altLang="zh-CN" dirty="0" smtClean="0"/>
-          </a:p>
-          <a:p>
-            <a:pPr marL="591775" lvl="1"/>
-            <a:endParaRPr lang="en-US" altLang="zh-CN" dirty="0" smtClean="0">
-              <a:solidFill>
-                <a:srgbClr val="FF0000"/>
-              </a:solidFill>
-            </a:endParaRPr>
-          </a:p>
-          <a:p>
-            <a:pPr marL="591775" lvl="1"/>
-            <a:endParaRPr lang="en-US" altLang="zh-CN" sz="2000" dirty="0"/>
-          </a:p>
-          <a:p>
-            <a:pPr marL="593362" lvl="2" indent="0">
-              <a:buNone/>
-            </a:pPr>
-            <a:endParaRPr lang="en-US" altLang="zh-CN" dirty="0" smtClean="0">
-              <a:solidFill>
-                <a:srgbClr val="FF0000"/>
-              </a:solidFill>
-            </a:endParaRPr>
-          </a:p>
-          <a:p>
-            <a:pPr marL="593362" lvl="2"/>
-            <a:endParaRPr lang="en-US" altLang="zh-CN" dirty="0" smtClean="0">
-              <a:solidFill>
-                <a:srgbClr val="FF0000"/>
-              </a:solidFill>
-            </a:endParaRPr>
-          </a:p>
-          <a:p>
-            <a:pPr marL="193312" indent="0">
-              <a:buNone/>
-            </a:pPr>
-            <a:r>
-              <a:rPr lang="en-US" altLang="zh-CN" sz="2400" dirty="0"/>
-              <a:t>	</a:t>
-            </a:r>
-            <a:endParaRPr lang="en-US" altLang="zh-CN" sz="2400" dirty="0" smtClean="0"/>
-          </a:p>
-          <a:p>
-            <a:pPr marL="360000" lvl="1" indent="0">
-              <a:buFont typeface="Arial" charset="0"/>
-              <a:buNone/>
-              <a:defRPr/>
-            </a:pPr>
-            <a:r>
-              <a:rPr lang="en-US" altLang="zh-CN" sz="2400" dirty="0" smtClean="0"/>
-              <a:t>		</a:t>
-            </a:r>
-            <a:endParaRPr lang="zh-CN" altLang="en-US" dirty="0" smtClean="0">
-              <a:ea typeface="宋体" panose="02010600030101010101" pitchFamily="2" charset="-122"/>
-            </a:endParaRPr>
-          </a:p>
-        </p:txBody>
-      </p:sp>
-      <p:sp>
-        <p:nvSpPr>
-          <p:cNvPr id="25603" name="内容占位符 4"/>
-          <p:cNvSpPr>
-            <a:spLocks noGrp="1"/>
-          </p:cNvSpPr>
-          <p:nvPr>
-            <p:ph sz="quarter" idx="11"/>
-          </p:nvPr>
-        </p:nvSpPr>
-        <p:spPr bwMode="auto">
-          <a:xfrm>
-            <a:off x="909638" y="236538"/>
-            <a:ext cx="7575550" cy="490537"/>
-          </a:xfrm>
-          <a:extLst>
-            <a:ext uri="{909E8E84-426E-40DD-AFC4-6F175D3DCCD1}">
-              <a14:hiddenFill xmlns:a14="http://schemas.microsoft.com/office/drawing/2010/main">
-                <a:solidFill>
-                  <a:srgbClr val="FFFFFF"/>
-                </a:solidFill>
-              </a14:hiddenFill>
-            </a:ext>
-            <a:ext uri="{91240B29-F687-4F45-9708-019B960494DF}">
-              <a14:hiddenLine xmlns:a14="http://schemas.microsoft.com/office/drawing/2010/main" w="9525">
-                <a:solidFill>
-                  <a:srgbClr val="000000"/>
-                </a:solidFill>
-                <a:miter lim="800000"/>
-                <a:headEnd/>
-                <a:tailEnd/>
-              </a14:hiddenLine>
-            </a:ext>
-          </a:extLst>
-        </p:spPr>
-        <p:txBody>
-          <a:bodyPr vert="horz" wrap="square" lIns="91440" tIns="45720" rIns="91440" bIns="45720" numCol="1" anchor="t" anchorCtr="0" compatLnSpc="1">
-            <a:prstTxWarp prst="textNoShape">
-              <a:avLst/>
-            </a:prstTxWarp>
-          </a:bodyPr>
-          <a:lstStyle/>
-          <a:p>
-            <a:pPr>
-              <a:defRPr/>
-            </a:pPr>
-            <a:r>
-              <a:rPr lang="zh-CN" altLang="en-US" dirty="0" smtClean="0">
-                <a:latin typeface="+mn-ea"/>
-                <a:ea typeface="+mn-ea"/>
-              </a:rPr>
-              <a:t>生命周期</a:t>
-            </a:r>
-            <a:endParaRPr lang="zh-CN" altLang="en-US" dirty="0" smtClean="0">
-              <a:latin typeface="+mn-ea"/>
-              <a:ea typeface="+mn-ea"/>
-            </a:endParaRPr>
-          </a:p>
-        </p:txBody>
-      </p:sp>
-      <p:pic>
-        <p:nvPicPr>
-          <p:cNvPr id="1026" name="Picture 2" descr="C:\Users\hl\Desktop\hooks-in-sequence.png"/>
-          <p:cNvPicPr>
-            <a:picLocks noChangeAspect="1" noChangeArrowheads="1"/>
-          </p:cNvPicPr>
-          <p:nvPr/>
-        </p:nvPicPr>
-        <p:blipFill>
-          <a:blip r:embed="rId2">
-            <a:extLst>
-              <a:ext uri="{28A0092B-C50C-407E-A947-70E740481C1C}">
-                <a14:useLocalDpi xmlns:a14="http://schemas.microsoft.com/office/drawing/2010/main" val="0"/>
-              </a:ext>
-            </a:extLst>
-          </a:blip>
-          <a:srcRect/>
-          <a:stretch>
-            <a:fillRect/>
-          </a:stretch>
-        </p:blipFill>
-        <p:spPr bwMode="auto">
-          <a:xfrm>
-            <a:off x="4826000" y="1214879"/>
-            <a:ext cx="3142858" cy="4447144"/>
-          </a:xfrm>
-          <a:prstGeom prst="rect">
-            <a:avLst/>
-          </a:prstGeom>
-          <a:noFill/>
-          <a:extLst>
-            <a:ext uri="{909E8E84-426E-40DD-AFC4-6F175D3DCCD1}">
-              <a14:hiddenFill xmlns:a14="http://schemas.microsoft.com/office/drawing/2010/main">
-                <a:solidFill>
-                  <a:srgbClr val="FFFFFF"/>
-                </a:solidFill>
-              </a14:hiddenFill>
-            </a:ext>
-          </a:extLst>
-        </p:spPr>
-      </p:pic>
-    </p:spTree>
-    <p:extLst>
-      <p:ext uri="{BB962C8B-B14F-4D97-AF65-F5344CB8AC3E}">
-        <p14:creationId xmlns:p14="http://schemas.microsoft.com/office/powerpoint/2010/main" val="1886560086"/>
-      </p:ext>
-    </p:extLst>
-  </p:cSld>
-  <p:clrMapOvr>
-    <a:masterClrMapping/>
-  </p:clrMapOvr>
   <p:timing>
     <p:tnLst>
       <p:par>
